--- a/PrezentareLicenta.pptx
+++ b/PrezentareLicenta.pptx
@@ -5,21 +5,23 @@
     <p:sldMasterId id="2147483732" r:id="rId1"/>
   </p:sldMasterIdLst>
   <p:notesMasterIdLst>
-    <p:notesMasterId r:id="rId14"/>
+    <p:notesMasterId r:id="rId16"/>
   </p:notesMasterIdLst>
   <p:sldIdLst>
     <p:sldId id="256" r:id="rId2"/>
     <p:sldId id="258" r:id="rId3"/>
     <p:sldId id="259" r:id="rId4"/>
     <p:sldId id="261" r:id="rId5"/>
-    <p:sldId id="265" r:id="rId6"/>
-    <p:sldId id="267" r:id="rId7"/>
-    <p:sldId id="266" r:id="rId8"/>
-    <p:sldId id="268" r:id="rId9"/>
-    <p:sldId id="264" r:id="rId10"/>
-    <p:sldId id="260" r:id="rId11"/>
-    <p:sldId id="262" r:id="rId12"/>
-    <p:sldId id="263" r:id="rId13"/>
+    <p:sldId id="269" r:id="rId6"/>
+    <p:sldId id="266" r:id="rId7"/>
+    <p:sldId id="268" r:id="rId8"/>
+    <p:sldId id="264" r:id="rId9"/>
+    <p:sldId id="271" r:id="rId10"/>
+    <p:sldId id="272" r:id="rId11"/>
+    <p:sldId id="270" r:id="rId12"/>
+    <p:sldId id="260" r:id="rId13"/>
+    <p:sldId id="262" r:id="rId14"/>
+    <p:sldId id="263" r:id="rId15"/>
   </p:sldIdLst>
   <p:sldSz cx="12192000" cy="6858000"/>
   <p:notesSz cx="6858000" cy="9144000"/>
@@ -118,6 +120,11 @@
       </a:defRPr>
     </a:lvl9pPr>
   </p:defaultTextStyle>
+  <p:extLst>
+    <p:ext uri="{EFAFB233-063F-42B5-8137-9DF3F51BA10A}">
+      <p15:sldGuideLst xmlns:p15="http://schemas.microsoft.com/office/powerpoint/2012/main"/>
+    </p:ext>
+  </p:extLst>
 </p:presentation>
 </file>
 
@@ -203,7 +210,7 @@
           <a:p>
             <a:fld id="{37538794-9D74-4C04-A0AF-96C6CE445AB5}" type="datetimeFigureOut">
               <a:rPr lang="ro-RO" smtClean="0"/>
-              <a:t>25.06.2025</a:t>
+              <a:t>01.07.2025</a:t>
             </a:fld>
             <a:endParaRPr lang="ro-RO"/>
           </a:p>
@@ -605,7 +612,7 @@
           <a:noFill/>
           <a:extLst>
             <a:ext uri="{909E8E84-426E-40dd-AFC4-6F175D3DCCD1}">
-              <a14:hiddenFill xmlns:a14="http://schemas.microsoft.com/office/drawing/2010/main" xmlns="">
+              <a14:hiddenFill xmlns="" xmlns:a14="http://schemas.microsoft.com/office/drawing/2010/main">
                 <a:solidFill>
                   <a:srgbClr val="FFFFFF"/>
                 </a:solidFill>
@@ -665,7 +672,7 @@
             </a:ln>
             <a:extLst>
               <a:ext uri="{91240B29-F687-4f45-9708-019B960494DF}">
-                <a14:hiddenLine xmlns:a14="http://schemas.microsoft.com/office/drawing/2010/main" xmlns="" w="9525">
+                <a14:hiddenLine xmlns="" xmlns:a14="http://schemas.microsoft.com/office/drawing/2010/main" w="9525">
                   <a:solidFill>
                     <a:srgbClr val="000000"/>
                   </a:solidFill>
@@ -755,7 +762,7 @@
             </a:ln>
             <a:extLst>
               <a:ext uri="{91240B29-F687-4f45-9708-019B960494DF}">
-                <a14:hiddenLine xmlns:a14="http://schemas.microsoft.com/office/drawing/2010/main" xmlns="" w="9525">
+                <a14:hiddenLine xmlns="" xmlns:a14="http://schemas.microsoft.com/office/drawing/2010/main" w="9525">
                   <a:solidFill>
                     <a:srgbClr val="000000"/>
                   </a:solidFill>
@@ -845,7 +852,7 @@
             </a:ln>
             <a:extLst>
               <a:ext uri="{91240B29-F687-4f45-9708-019B960494DF}">
-                <a14:hiddenLine xmlns:a14="http://schemas.microsoft.com/office/drawing/2010/main" xmlns="" w="9525">
+                <a14:hiddenLine xmlns="" xmlns:a14="http://schemas.microsoft.com/office/drawing/2010/main" w="9525">
                   <a:solidFill>
                     <a:srgbClr val="000000"/>
                   </a:solidFill>
@@ -879,7 +886,7 @@
             </a:ln>
             <a:extLst>
               <a:ext uri="{91240B29-F687-4f45-9708-019B960494DF}">
-                <a14:hiddenLine xmlns:a14="http://schemas.microsoft.com/office/drawing/2010/main" xmlns="" w="9525">
+                <a14:hiddenLine xmlns="" xmlns:a14="http://schemas.microsoft.com/office/drawing/2010/main" w="9525">
                   <a:solidFill>
                     <a:srgbClr val="000000"/>
                   </a:solidFill>
@@ -969,7 +976,7 @@
             </a:ln>
             <a:extLst>
               <a:ext uri="{91240B29-F687-4f45-9708-019B960494DF}">
-                <a14:hiddenLine xmlns:a14="http://schemas.microsoft.com/office/drawing/2010/main" xmlns="" w="9525">
+                <a14:hiddenLine xmlns="" xmlns:a14="http://schemas.microsoft.com/office/drawing/2010/main" w="9525">
                   <a:solidFill>
                     <a:srgbClr val="000000"/>
                   </a:solidFill>
@@ -1031,7 +1038,7 @@
             </a:ln>
             <a:extLst>
               <a:ext uri="{91240B29-F687-4f45-9708-019B960494DF}">
-                <a14:hiddenLine xmlns:a14="http://schemas.microsoft.com/office/drawing/2010/main" xmlns="" w="9525">
+                <a14:hiddenLine xmlns="" xmlns:a14="http://schemas.microsoft.com/office/drawing/2010/main" w="9525">
                   <a:solidFill>
                     <a:srgbClr val="000000"/>
                   </a:solidFill>
@@ -1093,7 +1100,7 @@
             </a:ln>
             <a:extLst>
               <a:ext uri="{91240B29-F687-4f45-9708-019B960494DF}">
-                <a14:hiddenLine xmlns:a14="http://schemas.microsoft.com/office/drawing/2010/main" xmlns="" w="9525">
+                <a14:hiddenLine xmlns="" xmlns:a14="http://schemas.microsoft.com/office/drawing/2010/main" w="9525">
                   <a:solidFill>
                     <a:srgbClr val="000000"/>
                   </a:solidFill>
@@ -1183,7 +1190,7 @@
             </a:ln>
             <a:extLst>
               <a:ext uri="{91240B29-F687-4f45-9708-019B960494DF}">
-                <a14:hiddenLine xmlns:a14="http://schemas.microsoft.com/office/drawing/2010/main" xmlns="" w="9525">
+                <a14:hiddenLine xmlns="" xmlns:a14="http://schemas.microsoft.com/office/drawing/2010/main" w="9525">
                   <a:solidFill>
                     <a:srgbClr val="000000"/>
                   </a:solidFill>
@@ -1245,7 +1252,7 @@
             </a:ln>
             <a:extLst>
               <a:ext uri="{91240B29-F687-4f45-9708-019B960494DF}">
-                <a14:hiddenLine xmlns:a14="http://schemas.microsoft.com/office/drawing/2010/main" xmlns="" w="9525">
+                <a14:hiddenLine xmlns="" xmlns:a14="http://schemas.microsoft.com/office/drawing/2010/main" w="9525">
                   <a:solidFill>
                     <a:srgbClr val="000000"/>
                   </a:solidFill>
@@ -1307,7 +1314,7 @@
             </a:ln>
             <a:extLst>
               <a:ext uri="{91240B29-F687-4f45-9708-019B960494DF}">
-                <a14:hiddenLine xmlns:a14="http://schemas.microsoft.com/office/drawing/2010/main" xmlns="" w="9525">
+                <a14:hiddenLine xmlns="" xmlns:a14="http://schemas.microsoft.com/office/drawing/2010/main" w="9525">
                   <a:solidFill>
                     <a:srgbClr val="000000"/>
                   </a:solidFill>
@@ -1397,7 +1404,7 @@
             </a:ln>
             <a:extLst>
               <a:ext uri="{91240B29-F687-4f45-9708-019B960494DF}">
-                <a14:hiddenLine xmlns:a14="http://schemas.microsoft.com/office/drawing/2010/main" xmlns="" w="9525">
+                <a14:hiddenLine xmlns="" xmlns:a14="http://schemas.microsoft.com/office/drawing/2010/main" w="9525">
                   <a:solidFill>
                     <a:srgbClr val="000000"/>
                   </a:solidFill>
@@ -1487,7 +1494,7 @@
             </a:ln>
             <a:extLst>
               <a:ext uri="{91240B29-F687-4f45-9708-019B960494DF}">
-                <a14:hiddenLine xmlns:a14="http://schemas.microsoft.com/office/drawing/2010/main" xmlns="" w="9525">
+                <a14:hiddenLine xmlns="" xmlns:a14="http://schemas.microsoft.com/office/drawing/2010/main" w="9525">
                   <a:solidFill>
                     <a:srgbClr val="000000"/>
                   </a:solidFill>
@@ -1549,7 +1556,7 @@
             </a:ln>
             <a:extLst>
               <a:ext uri="{91240B29-F687-4f45-9708-019B960494DF}">
-                <a14:hiddenLine xmlns:a14="http://schemas.microsoft.com/office/drawing/2010/main" xmlns="" w="9525">
+                <a14:hiddenLine xmlns="" xmlns:a14="http://schemas.microsoft.com/office/drawing/2010/main" w="9525">
                   <a:solidFill>
                     <a:srgbClr val="000000"/>
                   </a:solidFill>
@@ -1659,7 +1666,7 @@
             </a:ln>
             <a:extLst>
               <a:ext uri="{91240B29-F687-4f45-9708-019B960494DF}">
-                <a14:hiddenLine xmlns:a14="http://schemas.microsoft.com/office/drawing/2010/main" xmlns="" w="9525">
+                <a14:hiddenLine xmlns="" xmlns:a14="http://schemas.microsoft.com/office/drawing/2010/main" w="9525">
                   <a:solidFill>
                     <a:srgbClr val="000000"/>
                   </a:solidFill>
@@ -1721,7 +1728,7 @@
             </a:ln>
             <a:extLst>
               <a:ext uri="{91240B29-F687-4f45-9708-019B960494DF}">
-                <a14:hiddenLine xmlns:a14="http://schemas.microsoft.com/office/drawing/2010/main" xmlns="" w="9525">
+                <a14:hiddenLine xmlns="" xmlns:a14="http://schemas.microsoft.com/office/drawing/2010/main" w="9525">
                   <a:solidFill>
                     <a:srgbClr val="000000"/>
                   </a:solidFill>
@@ -1811,7 +1818,7 @@
             </a:ln>
             <a:extLst>
               <a:ext uri="{91240B29-F687-4f45-9708-019B960494DF}">
-                <a14:hiddenLine xmlns:a14="http://schemas.microsoft.com/office/drawing/2010/main" xmlns="" w="9525">
+                <a14:hiddenLine xmlns="" xmlns:a14="http://schemas.microsoft.com/office/drawing/2010/main" w="9525">
                   <a:solidFill>
                     <a:srgbClr val="000000"/>
                   </a:solidFill>
@@ -1901,7 +1908,7 @@
             </a:ln>
             <a:extLst>
               <a:ext uri="{91240B29-F687-4f45-9708-019B960494DF}">
-                <a14:hiddenLine xmlns:a14="http://schemas.microsoft.com/office/drawing/2010/main" xmlns="" w="9525">
+                <a14:hiddenLine xmlns="" xmlns:a14="http://schemas.microsoft.com/office/drawing/2010/main" w="9525">
                   <a:solidFill>
                     <a:srgbClr val="000000"/>
                   </a:solidFill>
@@ -1963,7 +1970,7 @@
             </a:ln>
             <a:extLst>
               <a:ext uri="{91240B29-F687-4f45-9708-019B960494DF}">
-                <a14:hiddenLine xmlns:a14="http://schemas.microsoft.com/office/drawing/2010/main" xmlns="" w="9525">
+                <a14:hiddenLine xmlns="" xmlns:a14="http://schemas.microsoft.com/office/drawing/2010/main" w="9525">
                   <a:solidFill>
                     <a:srgbClr val="000000"/>
                   </a:solidFill>
@@ -2053,7 +2060,7 @@
             </a:ln>
             <a:extLst>
               <a:ext uri="{91240B29-F687-4f45-9708-019B960494DF}">
-                <a14:hiddenLine xmlns:a14="http://schemas.microsoft.com/office/drawing/2010/main" xmlns="" w="9525">
+                <a14:hiddenLine xmlns="" xmlns:a14="http://schemas.microsoft.com/office/drawing/2010/main" w="9525">
                   <a:solidFill>
                     <a:srgbClr val="000000"/>
                   </a:solidFill>
@@ -2143,7 +2150,7 @@
             </a:ln>
             <a:extLst>
               <a:ext uri="{91240B29-F687-4f45-9708-019B960494DF}">
-                <a14:hiddenLine xmlns:a14="http://schemas.microsoft.com/office/drawing/2010/main" xmlns="" w="9525">
+                <a14:hiddenLine xmlns="" xmlns:a14="http://schemas.microsoft.com/office/drawing/2010/main" w="9525">
                   <a:solidFill>
                     <a:srgbClr val="000000"/>
                   </a:solidFill>
@@ -2199,7 +2206,7 @@
             </a:ln>
             <a:extLst>
               <a:ext uri="{91240B29-F687-4f45-9708-019B960494DF}">
-                <a14:hiddenLine xmlns:a14="http://schemas.microsoft.com/office/drawing/2010/main" xmlns="" w="9525">
+                <a14:hiddenLine xmlns="" xmlns:a14="http://schemas.microsoft.com/office/drawing/2010/main" w="9525">
                   <a:solidFill>
                     <a:srgbClr val="000000"/>
                   </a:solidFill>
@@ -2289,7 +2296,7 @@
             </a:ln>
             <a:extLst>
               <a:ext uri="{91240B29-F687-4f45-9708-019B960494DF}">
-                <a14:hiddenLine xmlns:a14="http://schemas.microsoft.com/office/drawing/2010/main" xmlns="" w="9525">
+                <a14:hiddenLine xmlns="" xmlns:a14="http://schemas.microsoft.com/office/drawing/2010/main" w="9525">
                   <a:solidFill>
                     <a:srgbClr val="000000"/>
                   </a:solidFill>
@@ -2345,7 +2352,7 @@
             </a:ln>
             <a:extLst>
               <a:ext uri="{91240B29-F687-4f45-9708-019B960494DF}">
-                <a14:hiddenLine xmlns:a14="http://schemas.microsoft.com/office/drawing/2010/main" xmlns="" w="9525">
+                <a14:hiddenLine xmlns="" xmlns:a14="http://schemas.microsoft.com/office/drawing/2010/main" w="9525">
                   <a:solidFill>
                     <a:srgbClr val="000000"/>
                   </a:solidFill>
@@ -2435,7 +2442,7 @@
             </a:ln>
             <a:extLst>
               <a:ext uri="{91240B29-F687-4f45-9708-019B960494DF}">
-                <a14:hiddenLine xmlns:a14="http://schemas.microsoft.com/office/drawing/2010/main" xmlns="" w="9525">
+                <a14:hiddenLine xmlns="" xmlns:a14="http://schemas.microsoft.com/office/drawing/2010/main" w="9525">
                   <a:solidFill>
                     <a:srgbClr val="000000"/>
                   </a:solidFill>
@@ -2503,7 +2510,7 @@
             </a:ln>
             <a:extLst>
               <a:ext uri="{91240B29-F687-4f45-9708-019B960494DF}">
-                <a14:hiddenLine xmlns:a14="http://schemas.microsoft.com/office/drawing/2010/main" xmlns="" w="9525">
+                <a14:hiddenLine xmlns="" xmlns:a14="http://schemas.microsoft.com/office/drawing/2010/main" w="9525">
                   <a:solidFill>
                     <a:srgbClr val="000000"/>
                   </a:solidFill>
@@ -2593,7 +2600,7 @@
             </a:ln>
             <a:extLst>
               <a:ext uri="{91240B29-F687-4f45-9708-019B960494DF}">
-                <a14:hiddenLine xmlns:a14="http://schemas.microsoft.com/office/drawing/2010/main" xmlns="" w="9525">
+                <a14:hiddenLine xmlns="" xmlns:a14="http://schemas.microsoft.com/office/drawing/2010/main" w="9525">
                   <a:solidFill>
                     <a:srgbClr val="000000"/>
                   </a:solidFill>
@@ -2661,7 +2668,7 @@
             </a:ln>
             <a:extLst>
               <a:ext uri="{91240B29-F687-4f45-9708-019B960494DF}">
-                <a14:hiddenLine xmlns:a14="http://schemas.microsoft.com/office/drawing/2010/main" xmlns="" w="9525">
+                <a14:hiddenLine xmlns="" xmlns:a14="http://schemas.microsoft.com/office/drawing/2010/main" w="9525">
                   <a:solidFill>
                     <a:srgbClr val="000000"/>
                   </a:solidFill>
@@ -2751,7 +2758,7 @@
             </a:ln>
             <a:extLst>
               <a:ext uri="{91240B29-F687-4f45-9708-019B960494DF}">
-                <a14:hiddenLine xmlns:a14="http://schemas.microsoft.com/office/drawing/2010/main" xmlns="" w="9525">
+                <a14:hiddenLine xmlns="" xmlns:a14="http://schemas.microsoft.com/office/drawing/2010/main" w="9525">
                   <a:solidFill>
                     <a:srgbClr val="000000"/>
                   </a:solidFill>
@@ -2785,7 +2792,7 @@
             </a:ln>
             <a:extLst>
               <a:ext uri="{91240B29-F687-4f45-9708-019B960494DF}">
-                <a14:hiddenLine xmlns:a14="http://schemas.microsoft.com/office/drawing/2010/main" xmlns="" w="9525">
+                <a14:hiddenLine xmlns="" xmlns:a14="http://schemas.microsoft.com/office/drawing/2010/main" w="9525">
                   <a:solidFill>
                     <a:srgbClr val="000000"/>
                   </a:solidFill>
@@ -2875,7 +2882,7 @@
             </a:ln>
             <a:extLst>
               <a:ext uri="{91240B29-F687-4f45-9708-019B960494DF}">
-                <a14:hiddenLine xmlns:a14="http://schemas.microsoft.com/office/drawing/2010/main" xmlns="" w="9525">
+                <a14:hiddenLine xmlns="" xmlns:a14="http://schemas.microsoft.com/office/drawing/2010/main" w="9525">
                   <a:solidFill>
                     <a:srgbClr val="000000"/>
                   </a:solidFill>
@@ -2937,7 +2944,7 @@
             </a:ln>
             <a:extLst>
               <a:ext uri="{91240B29-F687-4f45-9708-019B960494DF}">
-                <a14:hiddenLine xmlns:a14="http://schemas.microsoft.com/office/drawing/2010/main" xmlns="" w="9525">
+                <a14:hiddenLine xmlns="" xmlns:a14="http://schemas.microsoft.com/office/drawing/2010/main" w="9525">
                   <a:solidFill>
                     <a:srgbClr val="000000"/>
                   </a:solidFill>
@@ -2999,7 +3006,7 @@
             </a:ln>
             <a:extLst>
               <a:ext uri="{91240B29-F687-4f45-9708-019B960494DF}">
-                <a14:hiddenLine xmlns:a14="http://schemas.microsoft.com/office/drawing/2010/main" xmlns="" w="9525">
+                <a14:hiddenLine xmlns="" xmlns:a14="http://schemas.microsoft.com/office/drawing/2010/main" w="9525">
                   <a:solidFill>
                     <a:srgbClr val="000000"/>
                   </a:solidFill>
@@ -3089,7 +3096,7 @@
             </a:ln>
             <a:extLst>
               <a:ext uri="{91240B29-F687-4f45-9708-019B960494DF}">
-                <a14:hiddenLine xmlns:a14="http://schemas.microsoft.com/office/drawing/2010/main" xmlns="" w="9525">
+                <a14:hiddenLine xmlns="" xmlns:a14="http://schemas.microsoft.com/office/drawing/2010/main" w="9525">
                   <a:solidFill>
                     <a:srgbClr val="000000"/>
                   </a:solidFill>
@@ -3157,7 +3164,7 @@
             </a:ln>
             <a:extLst>
               <a:ext uri="{91240B29-F687-4f45-9708-019B960494DF}">
-                <a14:hiddenLine xmlns:a14="http://schemas.microsoft.com/office/drawing/2010/main" xmlns="" w="9525">
+                <a14:hiddenLine xmlns="" xmlns:a14="http://schemas.microsoft.com/office/drawing/2010/main" w="9525">
                   <a:solidFill>
                     <a:srgbClr val="000000"/>
                   </a:solidFill>
@@ -3219,7 +3226,7 @@
             </a:ln>
             <a:extLst>
               <a:ext uri="{91240B29-F687-4f45-9708-019B960494DF}">
-                <a14:hiddenLine xmlns:a14="http://schemas.microsoft.com/office/drawing/2010/main" xmlns="" w="9525">
+                <a14:hiddenLine xmlns="" xmlns:a14="http://schemas.microsoft.com/office/drawing/2010/main" w="9525">
                   <a:solidFill>
                     <a:srgbClr val="000000"/>
                   </a:solidFill>
@@ -3309,7 +3316,7 @@
             </a:ln>
             <a:extLst>
               <a:ext uri="{91240B29-F687-4f45-9708-019B960494DF}">
-                <a14:hiddenLine xmlns:a14="http://schemas.microsoft.com/office/drawing/2010/main" xmlns="" w="9525">
+                <a14:hiddenLine xmlns="" xmlns:a14="http://schemas.microsoft.com/office/drawing/2010/main" w="9525">
                   <a:solidFill>
                     <a:srgbClr val="000000"/>
                   </a:solidFill>
@@ -3371,7 +3378,7 @@
             </a:ln>
             <a:extLst>
               <a:ext uri="{91240B29-F687-4f45-9708-019B960494DF}">
-                <a14:hiddenLine xmlns:a14="http://schemas.microsoft.com/office/drawing/2010/main" xmlns="" w="9525">
+                <a14:hiddenLine xmlns="" xmlns:a14="http://schemas.microsoft.com/office/drawing/2010/main" w="9525">
                   <a:solidFill>
                     <a:srgbClr val="000000"/>
                   </a:solidFill>
@@ -3461,7 +3468,7 @@
             </a:ln>
             <a:extLst>
               <a:ext uri="{91240B29-F687-4f45-9708-019B960494DF}">
-                <a14:hiddenLine xmlns:a14="http://schemas.microsoft.com/office/drawing/2010/main" xmlns="" w="9525">
+                <a14:hiddenLine xmlns="" xmlns:a14="http://schemas.microsoft.com/office/drawing/2010/main" w="9525">
                   <a:solidFill>
                     <a:srgbClr val="000000"/>
                   </a:solidFill>
@@ -3523,7 +3530,7 @@
             </a:ln>
             <a:extLst>
               <a:ext uri="{91240B29-F687-4f45-9708-019B960494DF}">
-                <a14:hiddenLine xmlns:a14="http://schemas.microsoft.com/office/drawing/2010/main" xmlns="" w="9525">
+                <a14:hiddenLine xmlns="" xmlns:a14="http://schemas.microsoft.com/office/drawing/2010/main" w="9525">
                   <a:solidFill>
                     <a:srgbClr val="000000"/>
                   </a:solidFill>
@@ -3613,7 +3620,7 @@
             </a:ln>
             <a:extLst>
               <a:ext uri="{91240B29-F687-4f45-9708-019B960494DF}">
-                <a14:hiddenLine xmlns:a14="http://schemas.microsoft.com/office/drawing/2010/main" xmlns="" w="9525">
+                <a14:hiddenLine xmlns="" xmlns:a14="http://schemas.microsoft.com/office/drawing/2010/main" w="9525">
                   <a:solidFill>
                     <a:srgbClr val="000000"/>
                   </a:solidFill>
@@ -3647,7 +3654,7 @@
             </a:ln>
             <a:extLst>
               <a:ext uri="{91240B29-F687-4f45-9708-019B960494DF}">
-                <a14:hiddenLine xmlns:a14="http://schemas.microsoft.com/office/drawing/2010/main" xmlns="" w="9525">
+                <a14:hiddenLine xmlns="" xmlns:a14="http://schemas.microsoft.com/office/drawing/2010/main" w="9525">
                   <a:solidFill>
                     <a:srgbClr val="000000"/>
                   </a:solidFill>
@@ -3712,7 +3719,7 @@
             </a:ln>
             <a:extLst>
               <a:ext uri="{91240B29-F687-4f45-9708-019B960494DF}">
-                <a14:hiddenLine xmlns:a14="http://schemas.microsoft.com/office/drawing/2010/main" xmlns="" w="9525">
+                <a14:hiddenLine xmlns="" xmlns:a14="http://schemas.microsoft.com/office/drawing/2010/main" w="9525">
                   <a:solidFill>
                     <a:srgbClr val="000000"/>
                   </a:solidFill>
@@ -3802,7 +3809,7 @@
             </a:ln>
             <a:extLst>
               <a:ext uri="{91240B29-F687-4f45-9708-019B960494DF}">
-                <a14:hiddenLine xmlns:a14="http://schemas.microsoft.com/office/drawing/2010/main" xmlns="" w="9525">
+                <a14:hiddenLine xmlns="" xmlns:a14="http://schemas.microsoft.com/office/drawing/2010/main" w="9525">
                   <a:solidFill>
                     <a:srgbClr val="000000"/>
                   </a:solidFill>
@@ -3864,7 +3871,7 @@
             </a:ln>
             <a:extLst>
               <a:ext uri="{91240B29-F687-4f45-9708-019B960494DF}">
-                <a14:hiddenLine xmlns:a14="http://schemas.microsoft.com/office/drawing/2010/main" xmlns="" w="9525">
+                <a14:hiddenLine xmlns="" xmlns:a14="http://schemas.microsoft.com/office/drawing/2010/main" w="9525">
                   <a:solidFill>
                     <a:srgbClr val="000000"/>
                   </a:solidFill>
@@ -3954,7 +3961,7 @@
             </a:ln>
             <a:extLst>
               <a:ext uri="{91240B29-F687-4f45-9708-019B960494DF}">
-                <a14:hiddenLine xmlns:a14="http://schemas.microsoft.com/office/drawing/2010/main" xmlns="" w="9525">
+                <a14:hiddenLine xmlns="" xmlns:a14="http://schemas.microsoft.com/office/drawing/2010/main" w="9525">
                   <a:solidFill>
                     <a:srgbClr val="000000"/>
                   </a:solidFill>
@@ -4044,7 +4051,7 @@
             </a:ln>
             <a:extLst>
               <a:ext uri="{91240B29-F687-4f45-9708-019B960494DF}">
-                <a14:hiddenLine xmlns:a14="http://schemas.microsoft.com/office/drawing/2010/main" xmlns="" w="9525">
+                <a14:hiddenLine xmlns="" xmlns:a14="http://schemas.microsoft.com/office/drawing/2010/main" w="9525">
                   <a:solidFill>
                     <a:srgbClr val="000000"/>
                   </a:solidFill>
@@ -4109,7 +4116,7 @@
             </a:ln>
             <a:extLst>
               <a:ext uri="{91240B29-F687-4f45-9708-019B960494DF}">
-                <a14:hiddenLine xmlns:a14="http://schemas.microsoft.com/office/drawing/2010/main" xmlns="" w="9525">
+                <a14:hiddenLine xmlns="" xmlns:a14="http://schemas.microsoft.com/office/drawing/2010/main" w="9525">
                   <a:solidFill>
                     <a:srgbClr val="000000"/>
                   </a:solidFill>
@@ -4171,7 +4178,7 @@
             </a:ln>
             <a:extLst>
               <a:ext uri="{91240B29-F687-4f45-9708-019B960494DF}">
-                <a14:hiddenLine xmlns:a14="http://schemas.microsoft.com/office/drawing/2010/main" xmlns="" w="9525">
+                <a14:hiddenLine xmlns="" xmlns:a14="http://schemas.microsoft.com/office/drawing/2010/main" w="9525">
                   <a:solidFill>
                     <a:srgbClr val="000000"/>
                   </a:solidFill>
@@ -4261,7 +4268,7 @@
             </a:ln>
             <a:extLst>
               <a:ext uri="{91240B29-F687-4f45-9708-019B960494DF}">
-                <a14:hiddenLine xmlns:a14="http://schemas.microsoft.com/office/drawing/2010/main" xmlns="" w="9525">
+                <a14:hiddenLine xmlns="" xmlns:a14="http://schemas.microsoft.com/office/drawing/2010/main" w="9525">
                   <a:solidFill>
                     <a:srgbClr val="000000"/>
                   </a:solidFill>
@@ -4351,7 +4358,7 @@
             </a:ln>
             <a:extLst>
               <a:ext uri="{91240B29-F687-4f45-9708-019B960494DF}">
-                <a14:hiddenLine xmlns:a14="http://schemas.microsoft.com/office/drawing/2010/main" xmlns="" w="9525">
+                <a14:hiddenLine xmlns="" xmlns:a14="http://schemas.microsoft.com/office/drawing/2010/main" w="9525">
                   <a:solidFill>
                     <a:srgbClr val="000000"/>
                   </a:solidFill>
@@ -4413,7 +4420,7 @@
             </a:ln>
             <a:extLst>
               <a:ext uri="{91240B29-F687-4f45-9708-019B960494DF}">
-                <a14:hiddenLine xmlns:a14="http://schemas.microsoft.com/office/drawing/2010/main" xmlns="" w="9525">
+                <a14:hiddenLine xmlns="" xmlns:a14="http://schemas.microsoft.com/office/drawing/2010/main" w="9525">
                   <a:solidFill>
                     <a:srgbClr val="000000"/>
                   </a:solidFill>
@@ -4533,7 +4540,7 @@
             </a:ln>
             <a:extLst>
               <a:ext uri="{91240B29-F687-4f45-9708-019B960494DF}">
-                <a14:hiddenLine xmlns:a14="http://schemas.microsoft.com/office/drawing/2010/main" xmlns="" w="9525">
+                <a14:hiddenLine xmlns="" xmlns:a14="http://schemas.microsoft.com/office/drawing/2010/main" w="9525">
                   <a:solidFill>
                     <a:srgbClr val="000000"/>
                   </a:solidFill>
@@ -4601,7 +4608,7 @@
             </a:ln>
             <a:extLst>
               <a:ext uri="{91240B29-F687-4f45-9708-019B960494DF}">
-                <a14:hiddenLine xmlns:a14="http://schemas.microsoft.com/office/drawing/2010/main" xmlns="" w="9525">
+                <a14:hiddenLine xmlns="" xmlns:a14="http://schemas.microsoft.com/office/drawing/2010/main" w="9525">
                   <a:solidFill>
                     <a:srgbClr val="000000"/>
                   </a:solidFill>
@@ -4691,7 +4698,7 @@
             </a:ln>
             <a:extLst>
               <a:ext uri="{91240B29-F687-4f45-9708-019B960494DF}">
-                <a14:hiddenLine xmlns:a14="http://schemas.microsoft.com/office/drawing/2010/main" xmlns="" w="9525">
+                <a14:hiddenLine xmlns="" xmlns:a14="http://schemas.microsoft.com/office/drawing/2010/main" w="9525">
                   <a:solidFill>
                     <a:srgbClr val="000000"/>
                   </a:solidFill>
@@ -4831,7 +4838,7 @@
           <a:p>
             <a:fld id="{580AE141-656F-483C-A4E9-A89B65FFD7F6}" type="datetime1">
               <a:rPr lang="en-GB" smtClean="0"/>
-              <a:t>25/06/2025</a:t>
+              <a:t>01/07/2025</a:t>
             </a:fld>
             <a:endParaRPr lang="en-GB" dirty="0"/>
           </a:p>
@@ -5097,7 +5104,7 @@
           <a:p>
             <a:fld id="{4FB6AA12-CBAD-4FCF-AC42-B4BC6136AA45}" type="datetime1">
               <a:rPr lang="en-GB" smtClean="0"/>
-              <a:t>25/06/2025</a:t>
+              <a:t>01/07/2025</a:t>
             </a:fld>
             <a:endParaRPr lang="en-GB" dirty="0"/>
           </a:p>
@@ -5293,7 +5300,7 @@
           <a:p>
             <a:fld id="{ECFCA298-DC6D-4914-9494-820D8DC7215E}" type="datetime1">
               <a:rPr lang="en-GB" smtClean="0"/>
-              <a:t>25/06/2025</a:t>
+              <a:t>01/07/2025</a:t>
             </a:fld>
             <a:endParaRPr lang="en-GB" dirty="0"/>
           </a:p>
@@ -5556,7 +5563,7 @@
           <a:p>
             <a:fld id="{F08475C6-3991-4B3B-B93B-D06A7D20EC22}" type="datetime1">
               <a:rPr lang="en-GB" smtClean="0"/>
-              <a:t>25/06/2025</a:t>
+              <a:t>01/07/2025</a:t>
             </a:fld>
             <a:endParaRPr lang="en-GB" dirty="0"/>
           </a:p>
@@ -5990,7 +5997,7 @@
           <a:p>
             <a:fld id="{32E78A28-F28F-4A44-9332-D365C5BC6269}" type="datetime1">
               <a:rPr lang="en-GB" smtClean="0"/>
-              <a:t>25/06/2025</a:t>
+              <a:t>01/07/2025</a:t>
             </a:fld>
             <a:endParaRPr lang="en-GB" dirty="0"/>
           </a:p>
@@ -6536,7 +6543,7 @@
           <a:p>
             <a:fld id="{43F99976-2E25-46D4-840E-DDF4FB1F665C}" type="datetime1">
               <a:rPr lang="en-GB" smtClean="0"/>
-              <a:t>25/06/2025</a:t>
+              <a:t>01/07/2025</a:t>
             </a:fld>
             <a:endParaRPr lang="en-GB" dirty="0"/>
           </a:p>
@@ -7253,7 +7260,7 @@
           <a:p>
             <a:fld id="{6FFFB7F7-82EB-4B98-91F4-153CE01B4FB4}" type="datetime1">
               <a:rPr lang="en-GB" smtClean="0"/>
-              <a:t>25/06/2025</a:t>
+              <a:t>01/07/2025</a:t>
             </a:fld>
             <a:endParaRPr lang="en-GB" dirty="0"/>
           </a:p>
@@ -7423,7 +7430,7 @@
           <a:p>
             <a:fld id="{456D3836-7C24-4515-B0D7-1C6A97FD1519}" type="datetime1">
               <a:rPr lang="en-GB" smtClean="0"/>
-              <a:t>25/06/2025</a:t>
+              <a:t>01/07/2025</a:t>
             </a:fld>
             <a:endParaRPr lang="en-GB" dirty="0"/>
           </a:p>
@@ -7603,7 +7610,7 @@
           <a:p>
             <a:fld id="{9DBAB41D-D21B-4EFD-9C50-83CDDD63FB47}" type="datetime1">
               <a:rPr lang="en-GB" smtClean="0"/>
-              <a:t>25/06/2025</a:t>
+              <a:t>01/07/2025</a:t>
             </a:fld>
             <a:endParaRPr lang="en-GB" dirty="0"/>
           </a:p>
@@ -7773,7 +7780,7 @@
           <a:p>
             <a:fld id="{0BCD326E-373C-4EAE-8462-C59051A68904}" type="datetime1">
               <a:rPr lang="en-GB" smtClean="0"/>
-              <a:t>25/06/2025</a:t>
+              <a:t>01/07/2025</a:t>
             </a:fld>
             <a:endParaRPr lang="en-GB" dirty="0"/>
           </a:p>
@@ -8023,7 +8030,7 @@
           <a:p>
             <a:fld id="{10E00DE3-9691-453B-A8CC-E941C403E04F}" type="datetime1">
               <a:rPr lang="en-GB" smtClean="0"/>
-              <a:t>25/06/2025</a:t>
+              <a:t>01/07/2025</a:t>
             </a:fld>
             <a:endParaRPr lang="en-GB" dirty="0"/>
           </a:p>
@@ -8255,7 +8262,7 @@
           <a:p>
             <a:fld id="{0CCF2EBA-DDB0-484F-9B16-71BC88F65B2D}" type="datetime1">
               <a:rPr lang="en-GB" smtClean="0"/>
-              <a:t>25/06/2025</a:t>
+              <a:t>01/07/2025</a:t>
             </a:fld>
             <a:endParaRPr lang="en-GB" dirty="0"/>
           </a:p>
@@ -8636,7 +8643,7 @@
           <a:p>
             <a:fld id="{D7BF707A-5A5A-4AE6-9050-CEC9EBEFE101}" type="datetime1">
               <a:rPr lang="en-GB" smtClean="0"/>
-              <a:t>25/06/2025</a:t>
+              <a:t>01/07/2025</a:t>
             </a:fld>
             <a:endParaRPr lang="en-GB" dirty="0"/>
           </a:p>
@@ -8754,7 +8761,7 @@
           <a:p>
             <a:fld id="{AFE86F85-B072-4FD0-9558-8CEF9FE30039}" type="datetime1">
               <a:rPr lang="en-GB" smtClean="0"/>
-              <a:t>25/06/2025</a:t>
+              <a:t>01/07/2025</a:t>
             </a:fld>
             <a:endParaRPr lang="en-GB" dirty="0"/>
           </a:p>
@@ -8849,7 +8856,7 @@
           <a:p>
             <a:fld id="{01026511-599C-40B0-A9F2-93E049645476}" type="datetime1">
               <a:rPr lang="en-GB" smtClean="0"/>
-              <a:t>25/06/2025</a:t>
+              <a:t>01/07/2025</a:t>
             </a:fld>
             <a:endParaRPr lang="en-GB" dirty="0"/>
           </a:p>
@@ -9098,7 +9105,7 @@
           <a:p>
             <a:fld id="{C66B7CFB-28B8-449B-8BBD-0C423F86D386}" type="datetime1">
               <a:rPr lang="en-GB" smtClean="0"/>
-              <a:t>25/06/2025</a:t>
+              <a:t>01/07/2025</a:t>
             </a:fld>
             <a:endParaRPr lang="en-GB" dirty="0"/>
           </a:p>
@@ -9377,7 +9384,7 @@
           <a:p>
             <a:fld id="{15909356-EF1C-4769-932C-8DCCE5282005}" type="datetime1">
               <a:rPr lang="en-GB" smtClean="0"/>
-              <a:t>25/06/2025</a:t>
+              <a:t>01/07/2025</a:t>
             </a:fld>
             <a:endParaRPr lang="en-GB" dirty="0"/>
           </a:p>
@@ -9493,7 +9500,7 @@
           <a:noFill/>
           <a:extLst>
             <a:ext uri="{909E8E84-426E-40dd-AFC4-6F175D3DCCD1}">
-              <a14:hiddenFill xmlns:a14="http://schemas.microsoft.com/office/drawing/2010/main" xmlns="">
+              <a14:hiddenFill xmlns="" xmlns:a14="http://schemas.microsoft.com/office/drawing/2010/main">
                 <a:solidFill>
                   <a:srgbClr val="FFFFFF"/>
                 </a:solidFill>
@@ -9567,7 +9574,7 @@
               </a:ln>
               <a:extLst>
                 <a:ext uri="{91240B29-F687-4f45-9708-019B960494DF}">
-                  <a14:hiddenLine xmlns:a14="http://schemas.microsoft.com/office/drawing/2010/main" xmlns="" w="9525">
+                  <a14:hiddenLine xmlns="" xmlns:a14="http://schemas.microsoft.com/office/drawing/2010/main" w="9525">
                     <a:solidFill>
                       <a:srgbClr val="000000"/>
                     </a:solidFill>
@@ -9657,7 +9664,7 @@
               </a:ln>
               <a:extLst>
                 <a:ext uri="{91240B29-F687-4f45-9708-019B960494DF}">
-                  <a14:hiddenLine xmlns:a14="http://schemas.microsoft.com/office/drawing/2010/main" xmlns="" w="9525">
+                  <a14:hiddenLine xmlns="" xmlns:a14="http://schemas.microsoft.com/office/drawing/2010/main" w="9525">
                     <a:solidFill>
                       <a:srgbClr val="000000"/>
                     </a:solidFill>
@@ -9747,7 +9754,7 @@
               </a:ln>
               <a:extLst>
                 <a:ext uri="{91240B29-F687-4f45-9708-019B960494DF}">
-                  <a14:hiddenLine xmlns:a14="http://schemas.microsoft.com/office/drawing/2010/main" xmlns="" w="9525">
+                  <a14:hiddenLine xmlns="" xmlns:a14="http://schemas.microsoft.com/office/drawing/2010/main" w="9525">
                     <a:solidFill>
                       <a:srgbClr val="000000"/>
                     </a:solidFill>
@@ -9809,7 +9816,7 @@
               </a:ln>
               <a:extLst>
                 <a:ext uri="{91240B29-F687-4f45-9708-019B960494DF}">
-                  <a14:hiddenLine xmlns:a14="http://schemas.microsoft.com/office/drawing/2010/main" xmlns="" w="9525">
+                  <a14:hiddenLine xmlns="" xmlns:a14="http://schemas.microsoft.com/office/drawing/2010/main" w="9525">
                     <a:solidFill>
                       <a:srgbClr val="000000"/>
                     </a:solidFill>
@@ -9899,7 +9906,7 @@
               </a:ln>
               <a:extLst>
                 <a:ext uri="{91240B29-F687-4f45-9708-019B960494DF}">
-                  <a14:hiddenLine xmlns:a14="http://schemas.microsoft.com/office/drawing/2010/main" xmlns="" w="9525">
+                  <a14:hiddenLine xmlns="" xmlns:a14="http://schemas.microsoft.com/office/drawing/2010/main" w="9525">
                     <a:solidFill>
                       <a:srgbClr val="000000"/>
                     </a:solidFill>
@@ -9961,7 +9968,7 @@
               </a:ln>
               <a:extLst>
                 <a:ext uri="{91240B29-F687-4f45-9708-019B960494DF}">
-                  <a14:hiddenLine xmlns:a14="http://schemas.microsoft.com/office/drawing/2010/main" xmlns="" w="9525">
+                  <a14:hiddenLine xmlns="" xmlns:a14="http://schemas.microsoft.com/office/drawing/2010/main" w="9525">
                     <a:solidFill>
                       <a:srgbClr val="000000"/>
                     </a:solidFill>
@@ -10023,7 +10030,7 @@
               </a:ln>
               <a:extLst>
                 <a:ext uri="{91240B29-F687-4f45-9708-019B960494DF}">
-                  <a14:hiddenLine xmlns:a14="http://schemas.microsoft.com/office/drawing/2010/main" xmlns="" w="9525">
+                  <a14:hiddenLine xmlns="" xmlns:a14="http://schemas.microsoft.com/office/drawing/2010/main" w="9525">
                     <a:solidFill>
                       <a:srgbClr val="000000"/>
                     </a:solidFill>
@@ -10113,7 +10120,7 @@
               </a:ln>
               <a:extLst>
                 <a:ext uri="{91240B29-F687-4f45-9708-019B960494DF}">
-                  <a14:hiddenLine xmlns:a14="http://schemas.microsoft.com/office/drawing/2010/main" xmlns="" w="9525">
+                  <a14:hiddenLine xmlns="" xmlns:a14="http://schemas.microsoft.com/office/drawing/2010/main" w="9525">
                     <a:solidFill>
                       <a:srgbClr val="000000"/>
                     </a:solidFill>
@@ -10203,7 +10210,7 @@
               </a:ln>
               <a:extLst>
                 <a:ext uri="{91240B29-F687-4f45-9708-019B960494DF}">
-                  <a14:hiddenLine xmlns:a14="http://schemas.microsoft.com/office/drawing/2010/main" xmlns="" w="9525">
+                  <a14:hiddenLine xmlns="" xmlns:a14="http://schemas.microsoft.com/office/drawing/2010/main" w="9525">
                     <a:solidFill>
                       <a:srgbClr val="000000"/>
                     </a:solidFill>
@@ -10265,7 +10272,7 @@
               </a:ln>
               <a:extLst>
                 <a:ext uri="{91240B29-F687-4f45-9708-019B960494DF}">
-                  <a14:hiddenLine xmlns:a14="http://schemas.microsoft.com/office/drawing/2010/main" xmlns="" w="9525">
+                  <a14:hiddenLine xmlns="" xmlns:a14="http://schemas.microsoft.com/office/drawing/2010/main" w="9525">
                     <a:solidFill>
                       <a:srgbClr val="000000"/>
                     </a:solidFill>
@@ -10375,7 +10382,7 @@
               </a:ln>
               <a:extLst>
                 <a:ext uri="{91240B29-F687-4f45-9708-019B960494DF}">
-                  <a14:hiddenLine xmlns:a14="http://schemas.microsoft.com/office/drawing/2010/main" xmlns="" w="9525">
+                  <a14:hiddenLine xmlns="" xmlns:a14="http://schemas.microsoft.com/office/drawing/2010/main" w="9525">
                     <a:solidFill>
                       <a:srgbClr val="000000"/>
                     </a:solidFill>
@@ -10459,7 +10466,7 @@
               </a:ln>
               <a:extLst>
                 <a:ext uri="{91240B29-F687-4f45-9708-019B960494DF}">
-                  <a14:hiddenLine xmlns:a14="http://schemas.microsoft.com/office/drawing/2010/main" xmlns="" w="9525">
+                  <a14:hiddenLine xmlns="" xmlns:a14="http://schemas.microsoft.com/office/drawing/2010/main" w="9525">
                     <a:solidFill>
                       <a:srgbClr val="000000"/>
                     </a:solidFill>
@@ -10521,7 +10528,7 @@
               </a:ln>
               <a:extLst>
                 <a:ext uri="{91240B29-F687-4f45-9708-019B960494DF}">
-                  <a14:hiddenLine xmlns:a14="http://schemas.microsoft.com/office/drawing/2010/main" xmlns="" w="9525">
+                  <a14:hiddenLine xmlns="" xmlns:a14="http://schemas.microsoft.com/office/drawing/2010/main" w="9525">
                     <a:solidFill>
                       <a:srgbClr val="000000"/>
                     </a:solidFill>
@@ -10583,7 +10590,7 @@
               </a:ln>
               <a:extLst>
                 <a:ext uri="{91240B29-F687-4f45-9708-019B960494DF}">
-                  <a14:hiddenLine xmlns:a14="http://schemas.microsoft.com/office/drawing/2010/main" xmlns="" w="9525">
+                  <a14:hiddenLine xmlns="" xmlns:a14="http://schemas.microsoft.com/office/drawing/2010/main" w="9525">
                     <a:solidFill>
                       <a:srgbClr val="000000"/>
                     </a:solidFill>
@@ -10673,7 +10680,7 @@
               </a:ln>
               <a:extLst>
                 <a:ext uri="{91240B29-F687-4f45-9708-019B960494DF}">
-                  <a14:hiddenLine xmlns:a14="http://schemas.microsoft.com/office/drawing/2010/main" xmlns="" w="9525">
+                  <a14:hiddenLine xmlns="" xmlns:a14="http://schemas.microsoft.com/office/drawing/2010/main" w="9525">
                     <a:solidFill>
                       <a:srgbClr val="000000"/>
                     </a:solidFill>
@@ -10707,7 +10714,7 @@
               </a:ln>
               <a:extLst>
                 <a:ext uri="{91240B29-F687-4f45-9708-019B960494DF}">
-                  <a14:hiddenLine xmlns:a14="http://schemas.microsoft.com/office/drawing/2010/main" xmlns="" w="9525">
+                  <a14:hiddenLine xmlns="" xmlns:a14="http://schemas.microsoft.com/office/drawing/2010/main" w="9525">
                     <a:solidFill>
                       <a:srgbClr val="000000"/>
                     </a:solidFill>
@@ -10772,7 +10779,7 @@
               </a:ln>
               <a:extLst>
                 <a:ext uri="{91240B29-F687-4f45-9708-019B960494DF}">
-                  <a14:hiddenLine xmlns:a14="http://schemas.microsoft.com/office/drawing/2010/main" xmlns="" w="9525">
+                  <a14:hiddenLine xmlns="" xmlns:a14="http://schemas.microsoft.com/office/drawing/2010/main" w="9525">
                     <a:solidFill>
                       <a:srgbClr val="000000"/>
                     </a:solidFill>
@@ -10862,7 +10869,7 @@
               </a:ln>
               <a:extLst>
                 <a:ext uri="{91240B29-F687-4f45-9708-019B960494DF}">
-                  <a14:hiddenLine xmlns:a14="http://schemas.microsoft.com/office/drawing/2010/main" xmlns="" w="9525">
+                  <a14:hiddenLine xmlns="" xmlns:a14="http://schemas.microsoft.com/office/drawing/2010/main" w="9525">
                     <a:solidFill>
                       <a:srgbClr val="000000"/>
                     </a:solidFill>
@@ -10924,7 +10931,7 @@
               </a:ln>
               <a:extLst>
                 <a:ext uri="{91240B29-F687-4f45-9708-019B960494DF}">
-                  <a14:hiddenLine xmlns:a14="http://schemas.microsoft.com/office/drawing/2010/main" xmlns="" w="9525">
+                  <a14:hiddenLine xmlns="" xmlns:a14="http://schemas.microsoft.com/office/drawing/2010/main" w="9525">
                     <a:solidFill>
                       <a:srgbClr val="000000"/>
                     </a:solidFill>
@@ -11014,7 +11021,7 @@
               </a:ln>
               <a:extLst>
                 <a:ext uri="{91240B29-F687-4f45-9708-019B960494DF}">
-                  <a14:hiddenLine xmlns:a14="http://schemas.microsoft.com/office/drawing/2010/main" xmlns="" w="9525">
+                  <a14:hiddenLine xmlns="" xmlns:a14="http://schemas.microsoft.com/office/drawing/2010/main" w="9525">
                     <a:solidFill>
                       <a:srgbClr val="000000"/>
                     </a:solidFill>
@@ -11079,7 +11086,7 @@
               </a:ln>
               <a:extLst>
                 <a:ext uri="{91240B29-F687-4f45-9708-019B960494DF}">
-                  <a14:hiddenLine xmlns:a14="http://schemas.microsoft.com/office/drawing/2010/main" xmlns="" w="9525">
+                  <a14:hiddenLine xmlns="" xmlns:a14="http://schemas.microsoft.com/office/drawing/2010/main" w="9525">
                     <a:solidFill>
                       <a:srgbClr val="000000"/>
                     </a:solidFill>
@@ -11141,7 +11148,7 @@
               </a:ln>
               <a:extLst>
                 <a:ext uri="{91240B29-F687-4f45-9708-019B960494DF}">
-                  <a14:hiddenLine xmlns:a14="http://schemas.microsoft.com/office/drawing/2010/main" xmlns="" w="9525">
+                  <a14:hiddenLine xmlns="" xmlns:a14="http://schemas.microsoft.com/office/drawing/2010/main" w="9525">
                     <a:solidFill>
                       <a:srgbClr val="000000"/>
                     </a:solidFill>
@@ -11231,7 +11238,7 @@
               </a:ln>
               <a:extLst>
                 <a:ext uri="{91240B29-F687-4f45-9708-019B960494DF}">
-                  <a14:hiddenLine xmlns:a14="http://schemas.microsoft.com/office/drawing/2010/main" xmlns="" w="9525">
+                  <a14:hiddenLine xmlns="" xmlns:a14="http://schemas.microsoft.com/office/drawing/2010/main" w="9525">
                     <a:solidFill>
                       <a:srgbClr val="000000"/>
                     </a:solidFill>
@@ -11321,7 +11328,7 @@
               </a:ln>
               <a:extLst>
                 <a:ext uri="{91240B29-F687-4f45-9708-019B960494DF}">
-                  <a14:hiddenLine xmlns:a14="http://schemas.microsoft.com/office/drawing/2010/main" xmlns="" w="9525">
+                  <a14:hiddenLine xmlns="" xmlns:a14="http://schemas.microsoft.com/office/drawing/2010/main" w="9525">
                     <a:solidFill>
                       <a:srgbClr val="000000"/>
                     </a:solidFill>
@@ -11386,7 +11393,7 @@
               </a:ln>
               <a:extLst>
                 <a:ext uri="{91240B29-F687-4f45-9708-019B960494DF}">
-                  <a14:hiddenLine xmlns:a14="http://schemas.microsoft.com/office/drawing/2010/main" xmlns="" w="9525">
+                  <a14:hiddenLine xmlns="" xmlns:a14="http://schemas.microsoft.com/office/drawing/2010/main" w="9525">
                     <a:solidFill>
                       <a:srgbClr val="000000"/>
                     </a:solidFill>
@@ -11506,7 +11513,7 @@
               </a:ln>
               <a:extLst>
                 <a:ext uri="{91240B29-F687-4f45-9708-019B960494DF}">
-                  <a14:hiddenLine xmlns:a14="http://schemas.microsoft.com/office/drawing/2010/main" xmlns="" w="9525">
+                  <a14:hiddenLine xmlns="" xmlns:a14="http://schemas.microsoft.com/office/drawing/2010/main" w="9525">
                     <a:solidFill>
                       <a:srgbClr val="000000"/>
                     </a:solidFill>
@@ -11604,7 +11611,7 @@
               </a:ln>
               <a:extLst>
                 <a:ext uri="{91240B29-F687-4f45-9708-019B960494DF}">
-                  <a14:hiddenLine xmlns:a14="http://schemas.microsoft.com/office/drawing/2010/main" xmlns="" w="9525">
+                  <a14:hiddenLine xmlns="" xmlns:a14="http://schemas.microsoft.com/office/drawing/2010/main" w="9525">
                     <a:solidFill>
                       <a:srgbClr val="000000"/>
                     </a:solidFill>
@@ -11719,7 +11726,7 @@
               </a:ln>
               <a:extLst>
                 <a:ext uri="{91240B29-F687-4f45-9708-019B960494DF}">
-                  <a14:hiddenLine xmlns:a14="http://schemas.microsoft.com/office/drawing/2010/main" xmlns="" w="9525">
+                  <a14:hiddenLine xmlns="" xmlns:a14="http://schemas.microsoft.com/office/drawing/2010/main" w="9525">
                     <a:solidFill>
                       <a:srgbClr val="000000"/>
                     </a:solidFill>
@@ -11809,7 +11816,7 @@
               </a:ln>
               <a:extLst>
                 <a:ext uri="{91240B29-F687-4f45-9708-019B960494DF}">
-                  <a14:hiddenLine xmlns:a14="http://schemas.microsoft.com/office/drawing/2010/main" xmlns="" w="9525">
+                  <a14:hiddenLine xmlns="" xmlns:a14="http://schemas.microsoft.com/office/drawing/2010/main" w="9525">
                     <a:solidFill>
                       <a:srgbClr val="000000"/>
                     </a:solidFill>
@@ -11874,7 +11881,7 @@
               </a:ln>
               <a:extLst>
                 <a:ext uri="{91240B29-F687-4f45-9708-019B960494DF}">
-                  <a14:hiddenLine xmlns:a14="http://schemas.microsoft.com/office/drawing/2010/main" xmlns="" w="9525">
+                  <a14:hiddenLine xmlns="" xmlns:a14="http://schemas.microsoft.com/office/drawing/2010/main" w="9525">
                     <a:solidFill>
                       <a:srgbClr val="000000"/>
                     </a:solidFill>
@@ -11964,7 +11971,7 @@
               </a:ln>
               <a:extLst>
                 <a:ext uri="{91240B29-F687-4f45-9708-019B960494DF}">
-                  <a14:hiddenLine xmlns:a14="http://schemas.microsoft.com/office/drawing/2010/main" xmlns="" w="9525">
+                  <a14:hiddenLine xmlns="" xmlns:a14="http://schemas.microsoft.com/office/drawing/2010/main" w="9525">
                     <a:solidFill>
                       <a:srgbClr val="000000"/>
                     </a:solidFill>
@@ -12032,7 +12039,7 @@
               </a:ln>
               <a:extLst>
                 <a:ext uri="{91240B29-F687-4f45-9708-019B960494DF}">
-                  <a14:hiddenLine xmlns:a14="http://schemas.microsoft.com/office/drawing/2010/main" xmlns="" w="9525">
+                  <a14:hiddenLine xmlns="" xmlns:a14="http://schemas.microsoft.com/office/drawing/2010/main" w="9525">
                     <a:solidFill>
                       <a:srgbClr val="000000"/>
                     </a:solidFill>
@@ -12122,7 +12129,7 @@
               </a:ln>
               <a:extLst>
                 <a:ext uri="{91240B29-F687-4f45-9708-019B960494DF}">
-                  <a14:hiddenLine xmlns:a14="http://schemas.microsoft.com/office/drawing/2010/main" xmlns="" w="9525">
+                  <a14:hiddenLine xmlns="" xmlns:a14="http://schemas.microsoft.com/office/drawing/2010/main" w="9525">
                     <a:solidFill>
                       <a:srgbClr val="000000"/>
                     </a:solidFill>
@@ -12190,7 +12197,7 @@
               </a:ln>
               <a:extLst>
                 <a:ext uri="{91240B29-F687-4f45-9708-019B960494DF}">
-                  <a14:hiddenLine xmlns:a14="http://schemas.microsoft.com/office/drawing/2010/main" xmlns="" w="9525">
+                  <a14:hiddenLine xmlns="" xmlns:a14="http://schemas.microsoft.com/office/drawing/2010/main" w="9525">
                     <a:solidFill>
                       <a:srgbClr val="000000"/>
                     </a:solidFill>
@@ -12280,7 +12287,7 @@
               </a:ln>
               <a:extLst>
                 <a:ext uri="{91240B29-F687-4f45-9708-019B960494DF}">
-                  <a14:hiddenLine xmlns:a14="http://schemas.microsoft.com/office/drawing/2010/main" xmlns="" w="9525">
+                  <a14:hiddenLine xmlns="" xmlns:a14="http://schemas.microsoft.com/office/drawing/2010/main" w="9525">
                     <a:solidFill>
                       <a:srgbClr val="000000"/>
                     </a:solidFill>
@@ -12314,7 +12321,7 @@
               </a:ln>
               <a:extLst>
                 <a:ext uri="{91240B29-F687-4f45-9708-019B960494DF}">
-                  <a14:hiddenLine xmlns:a14="http://schemas.microsoft.com/office/drawing/2010/main" xmlns="" w="9525">
+                  <a14:hiddenLine xmlns="" xmlns:a14="http://schemas.microsoft.com/office/drawing/2010/main" w="9525">
                     <a:solidFill>
                       <a:srgbClr val="000000"/>
                     </a:solidFill>
@@ -12453,7 +12460,7 @@
           <a:p>
             <a:fld id="{FCA8CC68-653E-4E96-BE45-EF2E006295F2}" type="datetime1">
               <a:rPr lang="en-GB" smtClean="0"/>
-              <a:t>25/06/2025</a:t>
+              <a:t>01/07/2025</a:t>
             </a:fld>
             <a:endParaRPr lang="en-GB" dirty="0"/>
           </a:p>
@@ -12906,7 +12913,7 @@
           <a:lstStyle/>
           <a:p>
             <a:r>
-              <a:rPr lang="ro-RO" sz="3200" noProof="1"/>
+              <a:rPr lang="ro-RO" sz="3200" noProof="0" dirty="0"/>
               <a:t>Conectarea persoanelor bazată pe interese comune folosind sisteme de recomandare</a:t>
             </a:r>
           </a:p>
@@ -12941,7 +12948,7 @@
           <a:lstStyle/>
           <a:p>
             <a:r>
-              <a:rPr lang="ro-RO" sz="1400" noProof="1">
+              <a:rPr lang="ro-RO" sz="1400" noProof="0" dirty="0">
                 <a:solidFill>
                   <a:schemeClr val="tx1"/>
                 </a:solidFill>
@@ -12951,7 +12958,7 @@
           </a:p>
           <a:p>
             <a:r>
-              <a:rPr lang="ro-RO" sz="1400" noProof="1">
+              <a:rPr lang="ro-RO" sz="1400" noProof="0" dirty="0">
                 <a:solidFill>
                   <a:schemeClr val="tx1"/>
                 </a:solidFill>
@@ -12961,7 +12968,7 @@
           </a:p>
           <a:p>
             <a:r>
-              <a:rPr lang="ro-RO" sz="1400" noProof="1">
+              <a:rPr lang="ro-RO" sz="1400" noProof="0" dirty="0">
                 <a:solidFill>
                   <a:schemeClr val="tx1"/>
                 </a:solidFill>
@@ -12972,7 +12979,7 @@
           <a:p>
             <a:pPr algn="r"/>
             <a:r>
-              <a:rPr lang="ro-RO" sz="1400" noProof="1">
+              <a:rPr lang="ro-RO" sz="1400" noProof="0" dirty="0">
                 <a:solidFill>
                   <a:schemeClr val="tx1"/>
                 </a:solidFill>
@@ -12983,7 +12990,7 @@
           <a:p>
             <a:pPr algn="r"/>
             <a:r>
-              <a:rPr lang="ro-RO" sz="1400" noProof="1">
+              <a:rPr lang="ro-RO" sz="1400" noProof="0" dirty="0">
                 <a:solidFill>
                   <a:schemeClr val="tx1"/>
                 </a:solidFill>
@@ -13020,14 +13027,14 @@
           <a:lstStyle/>
           <a:p>
             <a:fld id="{B08188A5-144A-4A48-B2F6-C04FBE3542AB}" type="slidenum">
-              <a:rPr lang="ro-RO" sz="1100" noProof="1" smtClean="0">
+              <a:rPr lang="ro-RO" sz="1100" noProof="0" smtClean="0">
                 <a:latin typeface="Calibri" panose="020F0502020204030204" pitchFamily="34" charset="0"/>
                 <a:ea typeface="Calibri" panose="020F0502020204030204" pitchFamily="34" charset="0"/>
                 <a:cs typeface="Calibri" panose="020F0502020204030204" pitchFamily="34" charset="0"/>
               </a:rPr>
               <a:t>1</a:t>
             </a:fld>
-            <a:endParaRPr lang="ro-RO" sz="1100" noProof="1">
+            <a:endParaRPr lang="ro-RO" sz="1100" noProof="0" dirty="0">
               <a:latin typeface="Calibri" panose="020F0502020204030204" pitchFamily="34" charset="0"/>
               <a:ea typeface="Calibri" panose="020F0502020204030204" pitchFamily="34" charset="0"/>
               <a:cs typeface="Calibri" panose="020F0502020204030204" pitchFamily="34" charset="0"/>
@@ -13062,7 +13069,7 @@
           <a:lstStyle/>
           <a:p>
             <a:r>
-              <a:rPr lang="ro-RO" noProof="1">
+              <a:rPr lang="ro-RO" noProof="0" dirty="0">
                 <a:ea typeface="Verdana" panose="020B0604030504040204" pitchFamily="34" charset="0"/>
               </a:rPr>
               <a:t>Universitatea Babeș-Bolyai Cluj-Napoca</a:t>
@@ -13070,7 +13077,7 @@
           </a:p>
           <a:p>
             <a:r>
-              <a:rPr lang="ro-RO" noProof="1">
+              <a:rPr lang="ro-RO" noProof="0" dirty="0">
                 <a:ea typeface="Verdana" panose="020B0604030504040204" pitchFamily="34" charset="0"/>
               </a:rPr>
               <a:t>Facultatea de Matematică și Informatică</a:t>
@@ -13078,11 +13085,84 @@
           </a:p>
           <a:p>
             <a:r>
-              <a:rPr lang="ro-RO" noProof="1">
+              <a:rPr lang="ro-RO" noProof="0" dirty="0">
                 <a:ea typeface="Verdana" panose="020B0604030504040204" pitchFamily="34" charset="0"/>
               </a:rPr>
               <a:t>2025</a:t>
             </a:r>
+          </a:p>
+        </p:txBody>
+      </p:sp>
+      <p:sp>
+        <p:nvSpPr>
+          <p:cNvPr id="12" name="Oval 11" descr="Facultatea de Matematică și Informatică | Universitatea ...">
+            <a:extLst>
+              <a:ext uri="{FF2B5EF4-FFF2-40B4-BE49-F238E27FC236}">
+                <a16:creationId xmlns:a16="http://schemas.microsoft.com/office/drawing/2014/main" id="{C12E8BCD-61E1-25BD-E922-23D668AF9CCD}"/>
+              </a:ext>
+            </a:extLst>
+          </p:cNvPr>
+          <p:cNvSpPr/>
+          <p:nvPr/>
+        </p:nvSpPr>
+        <p:spPr>
+          <a:xfrm>
+            <a:off x="10370624" y="486223"/>
+            <a:ext cx="1365837" cy="1272280"/>
+          </a:xfrm>
+          <a:prstGeom prst="ellipse">
+            <a:avLst/>
+          </a:prstGeom>
+          <a:blipFill>
+            <a:blip r:embed="rId3">
+              <a:alphaModFix/>
+              <a:extLst>
+                <a:ext uri="{28A0092B-C50C-407E-A947-70E740481C1C}">
+                  <a14:useLocalDpi xmlns:a14="http://schemas.microsoft.com/office/drawing/2010/main" val="0"/>
+                </a:ext>
+              </a:extLst>
+            </a:blip>
+            <a:srcRect/>
+            <a:stretch>
+              <a:fillRect l="-3000" r="-3000"/>
+            </a:stretch>
+          </a:blipFill>
+        </p:spPr>
+        <p:style>
+          <a:lnRef idx="2">
+            <a:schemeClr val="lt1">
+              <a:hueOff val="0"/>
+              <a:satOff val="0"/>
+              <a:lumOff val="0"/>
+              <a:alphaOff val="0"/>
+            </a:schemeClr>
+          </a:lnRef>
+          <a:fillRef idx="1">
+            <a:scrgbClr r="0" g="0" b="0"/>
+          </a:fillRef>
+          <a:effectRef idx="0">
+            <a:schemeClr val="accent1">
+              <a:tint val="50000"/>
+              <a:hueOff val="0"/>
+              <a:satOff val="0"/>
+              <a:lumOff val="0"/>
+              <a:alphaOff val="0"/>
+            </a:schemeClr>
+          </a:effectRef>
+          <a:fontRef idx="minor">
+            <a:schemeClr val="lt1">
+              <a:hueOff val="0"/>
+              <a:satOff val="0"/>
+              <a:lumOff val="0"/>
+              <a:alphaOff val="0"/>
+            </a:schemeClr>
+          </a:fontRef>
+        </p:style>
+        <p:txBody>
+          <a:bodyPr/>
+          <a:lstStyle/>
+          <a:p>
+            <a:endParaRPr lang="ro-RO" noProof="0" dirty="0"/>
           </a:p>
         </p:txBody>
       </p:sp>
@@ -13121,6 +13201,285 @@
           <p:cNvPr id="2" name="Title 1">
             <a:extLst>
               <a:ext uri="{FF2B5EF4-FFF2-40B4-BE49-F238E27FC236}">
+                <a16:creationId xmlns:a16="http://schemas.microsoft.com/office/drawing/2014/main" id="{0ABF4A13-3F7B-EE22-ECBF-580EBC0C031D}"/>
+              </a:ext>
+            </a:extLst>
+          </p:cNvPr>
+          <p:cNvSpPr>
+            <a:spLocks noGrp="1"/>
+          </p:cNvSpPr>
+          <p:nvPr>
+            <p:ph type="title"/>
+          </p:nvPr>
+        </p:nvSpPr>
+        <p:spPr/>
+        <p:txBody>
+          <a:bodyPr/>
+          <a:lstStyle/>
+          <a:p>
+            <a:r>
+              <a:rPr lang="ro-RO" noProof="0" dirty="0"/>
+              <a:t>Funcționalități</a:t>
+            </a:r>
+          </a:p>
+        </p:txBody>
+      </p:sp>
+      <p:sp>
+        <p:nvSpPr>
+          <p:cNvPr id="3" name="Content Placeholder 2">
+            <a:extLst>
+              <a:ext uri="{FF2B5EF4-FFF2-40B4-BE49-F238E27FC236}">
+                <a16:creationId xmlns:a16="http://schemas.microsoft.com/office/drawing/2014/main" id="{637F34CB-E85B-07C3-56E6-1476C54FB6D0}"/>
+              </a:ext>
+            </a:extLst>
+          </p:cNvPr>
+          <p:cNvSpPr>
+            <a:spLocks noGrp="1"/>
+          </p:cNvSpPr>
+          <p:nvPr>
+            <p:ph idx="1"/>
+          </p:nvPr>
+        </p:nvSpPr>
+        <p:spPr/>
+        <p:txBody>
+          <a:bodyPr>
+            <a:normAutofit lnSpcReduction="10000"/>
+          </a:bodyPr>
+          <a:lstStyle/>
+          <a:p>
+            <a:r>
+              <a:rPr lang="ro-RO" noProof="0" dirty="0"/>
+              <a:t>Cerințe funcționale</a:t>
+            </a:r>
+          </a:p>
+          <a:p>
+            <a:pPr lvl="1">
+              <a:buFont typeface="Wingdings" panose="05000000000000000000" pitchFamily="2" charset="2"/>
+              <a:buChar char="§"/>
+            </a:pPr>
+            <a:r>
+              <a:rPr lang="ro-RO" noProof="0" dirty="0"/>
+              <a:t>Înregistrarea utilizatorului</a:t>
+            </a:r>
+          </a:p>
+          <a:p>
+            <a:pPr lvl="1">
+              <a:buFont typeface="Wingdings" panose="05000000000000000000" pitchFamily="2" charset="2"/>
+              <a:buChar char="§"/>
+            </a:pPr>
+            <a:r>
+              <a:rPr lang="ro-RO" dirty="0"/>
+              <a:t>Autentificarea utilizatorului</a:t>
+            </a:r>
+          </a:p>
+          <a:p>
+            <a:pPr lvl="1">
+              <a:buFont typeface="Wingdings" panose="05000000000000000000" pitchFamily="2" charset="2"/>
+              <a:buChar char="§"/>
+            </a:pPr>
+            <a:r>
+              <a:rPr lang="ro-RO" noProof="0" dirty="0"/>
+              <a:t>Selectarea hobby-urilor</a:t>
+            </a:r>
+          </a:p>
+          <a:p>
+            <a:pPr lvl="1">
+              <a:buFont typeface="Wingdings" panose="05000000000000000000" pitchFamily="2" charset="2"/>
+              <a:buChar char="§"/>
+            </a:pPr>
+            <a:r>
+              <a:rPr lang="ro-RO" noProof="0" dirty="0"/>
+              <a:t>Căutarea utilizatorilor cu hobby-uri similare</a:t>
+            </a:r>
+          </a:p>
+          <a:p>
+            <a:r>
+              <a:rPr lang="ro-RO" dirty="0"/>
+              <a:t>Cerințe nefuncționale</a:t>
+            </a:r>
+          </a:p>
+          <a:p>
+            <a:pPr lvl="1">
+              <a:buFont typeface="Wingdings" panose="05000000000000000000" pitchFamily="2" charset="2"/>
+              <a:buChar char="§"/>
+            </a:pPr>
+            <a:r>
+              <a:rPr lang="ro-RO" noProof="0" dirty="0"/>
+              <a:t>Interfaț</a:t>
+            </a:r>
+            <a:r>
+              <a:rPr lang="ro-RO" dirty="0"/>
+              <a:t>ă utilizator intuitivă</a:t>
+            </a:r>
+          </a:p>
+          <a:p>
+            <a:pPr lvl="1">
+              <a:buFont typeface="Wingdings" panose="05000000000000000000" pitchFamily="2" charset="2"/>
+              <a:buChar char="§"/>
+            </a:pPr>
+            <a:r>
+              <a:rPr lang="ro-RO" noProof="0" dirty="0"/>
+              <a:t>M</a:t>
+            </a:r>
+            <a:r>
+              <a:rPr lang="ro-RO" dirty="0"/>
+              <a:t>ecanisme minimale de securitate</a:t>
+            </a:r>
+            <a:endParaRPr lang="ro-RO" noProof="0" dirty="0"/>
+          </a:p>
+        </p:txBody>
+      </p:sp>
+      <p:sp>
+        <p:nvSpPr>
+          <p:cNvPr id="4" name="Slide Number Placeholder 3">
+            <a:extLst>
+              <a:ext uri="{FF2B5EF4-FFF2-40B4-BE49-F238E27FC236}">
+                <a16:creationId xmlns:a16="http://schemas.microsoft.com/office/drawing/2014/main" id="{E1616E15-00BE-B63D-9C54-D2D3881A5DC2}"/>
+              </a:ext>
+            </a:extLst>
+          </p:cNvPr>
+          <p:cNvSpPr>
+            <a:spLocks noGrp="1"/>
+          </p:cNvSpPr>
+          <p:nvPr>
+            <p:ph type="sldNum" sz="quarter" idx="12"/>
+          </p:nvPr>
+        </p:nvSpPr>
+        <p:spPr/>
+        <p:txBody>
+          <a:bodyPr/>
+          <a:lstStyle/>
+          <a:p>
+            <a:fld id="{B08188A5-144A-4A48-B2F6-C04FBE3542AB}" type="slidenum">
+              <a:rPr lang="ro-RO" noProof="0" smtClean="0"/>
+              <a:t>10</a:t>
+            </a:fld>
+            <a:endParaRPr lang="ro-RO" noProof="0" dirty="0"/>
+          </a:p>
+        </p:txBody>
+      </p:sp>
+    </p:spTree>
+    <p:extLst>
+      <p:ext uri="{BB962C8B-B14F-4D97-AF65-F5344CB8AC3E}">
+        <p14:creationId xmlns:p14="http://schemas.microsoft.com/office/powerpoint/2010/main" val="3234569340"/>
+      </p:ext>
+    </p:extLst>
+  </p:cSld>
+  <p:clrMapOvr>
+    <a:masterClrMapping/>
+  </p:clrMapOvr>
+</p:sld>
+</file>
+
+<file path=ppt/slides/slide11.xml><?xml version="1.0" encoding="utf-8"?>
+<p:sld xmlns:a="http://schemas.openxmlformats.org/drawingml/2006/main" xmlns:r="http://schemas.openxmlformats.org/officeDocument/2006/relationships" xmlns:p="http://schemas.openxmlformats.org/presentationml/2006/main">
+  <p:cSld>
+    <p:spTree>
+      <p:nvGrpSpPr>
+        <p:cNvPr id="1" name=""/>
+        <p:cNvGrpSpPr/>
+        <p:nvPr/>
+      </p:nvGrpSpPr>
+      <p:grpSpPr>
+        <a:xfrm>
+          <a:off x="0" y="0"/>
+          <a:ext cx="0" cy="0"/>
+          <a:chOff x="0" y="0"/>
+          <a:chExt cx="0" cy="0"/>
+        </a:xfrm>
+      </p:grpSpPr>
+      <p:sp>
+        <p:nvSpPr>
+          <p:cNvPr id="5" name="Title 4">
+            <a:extLst>
+              <a:ext uri="{FF2B5EF4-FFF2-40B4-BE49-F238E27FC236}">
+                <a16:creationId xmlns:a16="http://schemas.microsoft.com/office/drawing/2014/main" id="{EDB567BD-ACC1-0C70-CF02-032486572569}"/>
+              </a:ext>
+            </a:extLst>
+          </p:cNvPr>
+          <p:cNvSpPr>
+            <a:spLocks noGrp="1"/>
+          </p:cNvSpPr>
+          <p:nvPr>
+            <p:ph type="title"/>
+          </p:nvPr>
+        </p:nvSpPr>
+        <p:spPr/>
+        <p:txBody>
+          <a:bodyPr/>
+          <a:lstStyle/>
+          <a:p>
+            <a:r>
+              <a:rPr lang="ro-RO" noProof="0" dirty="0"/>
+              <a:t>Demo aplicație</a:t>
+            </a:r>
+          </a:p>
+        </p:txBody>
+      </p:sp>
+      <p:sp>
+        <p:nvSpPr>
+          <p:cNvPr id="4" name="Slide Number Placeholder 3">
+            <a:extLst>
+              <a:ext uri="{FF2B5EF4-FFF2-40B4-BE49-F238E27FC236}">
+                <a16:creationId xmlns:a16="http://schemas.microsoft.com/office/drawing/2014/main" id="{78C1476E-07AA-57CB-E43C-D93FFC380D3C}"/>
+              </a:ext>
+            </a:extLst>
+          </p:cNvPr>
+          <p:cNvSpPr>
+            <a:spLocks noGrp="1"/>
+          </p:cNvSpPr>
+          <p:nvPr>
+            <p:ph type="sldNum" sz="quarter" idx="12"/>
+          </p:nvPr>
+        </p:nvSpPr>
+        <p:spPr/>
+        <p:txBody>
+          <a:bodyPr/>
+          <a:lstStyle/>
+          <a:p>
+            <a:fld id="{B08188A5-144A-4A48-B2F6-C04FBE3542AB}" type="slidenum">
+              <a:rPr lang="ro-RO" noProof="0" smtClean="0"/>
+              <a:t>11</a:t>
+            </a:fld>
+            <a:endParaRPr lang="ro-RO" noProof="0" dirty="0"/>
+          </a:p>
+        </p:txBody>
+      </p:sp>
+    </p:spTree>
+    <p:extLst>
+      <p:ext uri="{BB962C8B-B14F-4D97-AF65-F5344CB8AC3E}">
+        <p14:creationId xmlns:p14="http://schemas.microsoft.com/office/powerpoint/2010/main" val="4025701509"/>
+      </p:ext>
+    </p:extLst>
+  </p:cSld>
+  <p:clrMapOvr>
+    <a:masterClrMapping/>
+  </p:clrMapOvr>
+</p:sld>
+</file>
+
+<file path=ppt/slides/slide12.xml><?xml version="1.0" encoding="utf-8"?>
+<p:sld xmlns:a="http://schemas.openxmlformats.org/drawingml/2006/main" xmlns:r="http://schemas.openxmlformats.org/officeDocument/2006/relationships" xmlns:p="http://schemas.openxmlformats.org/presentationml/2006/main">
+  <p:cSld>
+    <p:spTree>
+      <p:nvGrpSpPr>
+        <p:cNvPr id="1" name=""/>
+        <p:cNvGrpSpPr/>
+        <p:nvPr/>
+      </p:nvGrpSpPr>
+      <p:grpSpPr>
+        <a:xfrm>
+          <a:off x="0" y="0"/>
+          <a:ext cx="0" cy="0"/>
+          <a:chOff x="0" y="0"/>
+          <a:chExt cx="0" cy="0"/>
+        </a:xfrm>
+      </p:grpSpPr>
+      <p:sp>
+        <p:nvSpPr>
+          <p:cNvPr id="2" name="Title 1">
+            <a:extLst>
+              <a:ext uri="{FF2B5EF4-FFF2-40B4-BE49-F238E27FC236}">
                 <a16:creationId xmlns:a16="http://schemas.microsoft.com/office/drawing/2014/main" id="{CA1AA164-D4AF-C4C1-CCD1-887D4F66202A}"/>
               </a:ext>
             </a:extLst>
@@ -13138,8 +13497,8 @@
           <a:lstStyle/>
           <a:p>
             <a:r>
-              <a:rPr lang="ro-RO" noProof="1"/>
-              <a:t>Concluzii</a:t>
+              <a:rPr lang="ro-RO" noProof="0" dirty="0"/>
+              <a:t>Concluzii și direcții viitoare</a:t>
             </a:r>
           </a:p>
         </p:txBody>
@@ -13160,12 +13519,94 @@
             <p:ph idx="1"/>
           </p:nvPr>
         </p:nvSpPr>
-        <p:spPr/>
+        <p:spPr>
+          <a:xfrm>
+            <a:off x="1141413" y="2249487"/>
+            <a:ext cx="9905998" cy="3541714"/>
+          </a:xfrm>
+        </p:spPr>
         <p:txBody>
-          <a:bodyPr/>
+          <a:bodyPr>
+            <a:normAutofit lnSpcReduction="10000"/>
+          </a:bodyPr>
           <a:lstStyle/>
           <a:p>
-            <a:endParaRPr lang="ro-RO" noProof="1"/>
+            <a:r>
+              <a:rPr lang="ro-RO" noProof="0" dirty="0"/>
+              <a:t>Concluzii</a:t>
+            </a:r>
+          </a:p>
+          <a:p>
+            <a:pPr lvl="1">
+              <a:buFont typeface="Wingdings" panose="05000000000000000000" pitchFamily="2" charset="2"/>
+              <a:buChar char="§"/>
+            </a:pPr>
+            <a:r>
+              <a:rPr lang="ro-RO" noProof="0" dirty="0"/>
+              <a:t>Aplicarea tehnicilor de recomandare</a:t>
+            </a:r>
+          </a:p>
+          <a:p>
+            <a:pPr lvl="1">
+              <a:buFont typeface="Wingdings" panose="05000000000000000000" pitchFamily="2" charset="2"/>
+              <a:buChar char="§"/>
+            </a:pPr>
+            <a:r>
+              <a:rPr lang="ro-RO" noProof="0" dirty="0"/>
+              <a:t>Folosirea eficientă a similarității Jaccard în contextul dat</a:t>
+            </a:r>
+          </a:p>
+          <a:p>
+            <a:pPr lvl="1">
+              <a:buFont typeface="Wingdings" panose="05000000000000000000" pitchFamily="2" charset="2"/>
+              <a:buChar char="§"/>
+            </a:pPr>
+            <a:r>
+              <a:rPr lang="ro-RO" noProof="0" dirty="0"/>
+              <a:t>Aplicație cu arhitectură funcțională, scalabilă</a:t>
+            </a:r>
+          </a:p>
+          <a:p>
+            <a:r>
+              <a:rPr lang="ro-RO" noProof="0" dirty="0"/>
+              <a:t>Îmbunătățiri</a:t>
+            </a:r>
+          </a:p>
+          <a:p>
+            <a:pPr lvl="1">
+              <a:buFont typeface="Wingdings" panose="05000000000000000000" pitchFamily="2" charset="2"/>
+              <a:buChar char="§"/>
+            </a:pPr>
+            <a:r>
+              <a:rPr lang="ro-RO" noProof="0" dirty="0"/>
+              <a:t>Integrarea datelor demografice (locație, vârstă etc.)</a:t>
+            </a:r>
+          </a:p>
+          <a:p>
+            <a:pPr lvl="1">
+              <a:buFont typeface="Wingdings" panose="05000000000000000000" pitchFamily="2" charset="2"/>
+              <a:buChar char="§"/>
+            </a:pPr>
+            <a:r>
+              <a:rPr lang="ro-RO" noProof="0" dirty="0"/>
+              <a:t>Ponderarea hobby-urilor</a:t>
+            </a:r>
+          </a:p>
+          <a:p>
+            <a:pPr lvl="1">
+              <a:buFont typeface="Wingdings" panose="05000000000000000000" pitchFamily="2" charset="2"/>
+              <a:buChar char="§"/>
+            </a:pPr>
+            <a:r>
+              <a:rPr lang="ro-RO" noProof="0" dirty="0"/>
+              <a:t>Utilizarea categoriilor hobby-urilor în calculul similarității</a:t>
+            </a:r>
+          </a:p>
+          <a:p>
+            <a:pPr marL="457200" lvl="1" indent="0">
+              <a:buNone/>
+            </a:pPr>
+            <a:endParaRPr lang="ro-RO" noProof="0" dirty="0"/>
           </a:p>
         </p:txBody>
       </p:sp>
@@ -13191,10 +13632,10 @@
           <a:lstStyle/>
           <a:p>
             <a:fld id="{B08188A5-144A-4A48-B2F6-C04FBE3542AB}" type="slidenum">
-              <a:rPr lang="ro-RO" noProof="1" smtClean="0"/>
-              <a:t>10</a:t>
+              <a:rPr lang="ro-RO" noProof="0" smtClean="0"/>
+              <a:t>12</a:t>
             </a:fld>
-            <a:endParaRPr lang="ro-RO" noProof="1"/>
+            <a:endParaRPr lang="ro-RO" noProof="0" dirty="0"/>
           </a:p>
         </p:txBody>
       </p:sp>
@@ -13211,7 +13652,7 @@
 </p:sld>
 </file>
 
-<file path=ppt/slides/slide11.xml><?xml version="1.0" encoding="utf-8"?>
+<file path=ppt/slides/slide13.xml><?xml version="1.0" encoding="utf-8"?>
 <p:sld xmlns:a="http://schemas.openxmlformats.org/drawingml/2006/main" xmlns:r="http://schemas.openxmlformats.org/officeDocument/2006/relationships" xmlns:p="http://schemas.openxmlformats.org/presentationml/2006/main">
   <p:cSld>
     <p:spTree>
@@ -13256,7 +13697,7 @@
           <a:lstStyle/>
           <a:p>
             <a:r>
-              <a:rPr lang="ro-RO" noProof="1"/>
+              <a:rPr lang="ro-RO" noProof="0" dirty="0"/>
               <a:t>Referințe</a:t>
             </a:r>
           </a:p>
@@ -13289,7 +13730,7 @@
               <a:buNone/>
             </a:pPr>
             <a:r>
-              <a:rPr lang="ro-RO" sz="1600" noProof="1"/>
+              <a:rPr lang="ro-RO" sz="1800" noProof="0" dirty="0"/>
               <a:t>[1] P. Kumar and R. S. Thakur, “Recommendation system techniques and related issues: a survey,” International Journal of Information Technology, 2018.</a:t>
             </a:r>
           </a:p>
@@ -13298,7 +13739,7 @@
               <a:buNone/>
             </a:pPr>
             <a:r>
-              <a:rPr lang="ro-RO" sz="1600" noProof="1"/>
+              <a:rPr lang="ro-RO" sz="1800" noProof="0" dirty="0"/>
               <a:t>[2] F. Isinkaye, Y. Folajimi, and B. Ojokoh, “Recommendation systems: Principles, methods and evaluation,” Egyptian Informatics Journal, 2015.</a:t>
             </a:r>
           </a:p>
@@ -13307,7 +13748,7 @@
               <a:buNone/>
             </a:pPr>
             <a:r>
-              <a:rPr lang="ro-RO" sz="1600" noProof="1"/>
+              <a:rPr lang="ro-RO" sz="1800" noProof="0" dirty="0"/>
               <a:t>[3] J. B. Schafer, D. Frankowski, J. Herlocker, and S. Sen, “Collaborative filtering recommender systems,” in The adaptive web: methods and strategies of web personalization, 2007.</a:t>
             </a:r>
           </a:p>
@@ -13316,7 +13757,7 @@
               <a:buNone/>
             </a:pPr>
             <a:r>
-              <a:rPr lang="ro-RO" sz="1600" noProof="1"/>
+              <a:rPr lang="ro-RO" sz="1800" noProof="0" dirty="0"/>
               <a:t>[4] L. Al Hassanieh, C. Abou Jaoudeh, J. B. Abdo, and J. Demerjian, “Similarity measures for collaborative filtering recommender systems,” in 2018 IEEE Middle East and North Africa Communications Conference, 2018.</a:t>
             </a:r>
           </a:p>
@@ -13344,10 +13785,10 @@
           <a:lstStyle/>
           <a:p>
             <a:fld id="{B08188A5-144A-4A48-B2F6-C04FBE3542AB}" type="slidenum">
-              <a:rPr lang="ro-RO" noProof="1" smtClean="0"/>
-              <a:t>11</a:t>
+              <a:rPr lang="ro-RO" noProof="0" smtClean="0"/>
+              <a:t>13</a:t>
             </a:fld>
-            <a:endParaRPr lang="ro-RO" noProof="1"/>
+            <a:endParaRPr lang="ro-RO" noProof="0" dirty="0"/>
           </a:p>
         </p:txBody>
       </p:sp>
@@ -13364,7 +13805,7 @@
 </p:sld>
 </file>
 
-<file path=ppt/slides/slide12.xml><?xml version="1.0" encoding="utf-8"?>
+<file path=ppt/slides/slide14.xml><?xml version="1.0" encoding="utf-8"?>
 <p:sld xmlns:a="http://schemas.openxmlformats.org/drawingml/2006/main" xmlns:r="http://schemas.openxmlformats.org/officeDocument/2006/relationships" xmlns:p="http://schemas.openxmlformats.org/presentationml/2006/main">
   <p:cSld>
     <p:spTree>
@@ -13403,7 +13844,7 @@
           <a:lstStyle/>
           <a:p>
             <a:r>
-              <a:rPr lang="ro-RO" noProof="1"/>
+              <a:rPr lang="ro-RO" noProof="0" dirty="0"/>
               <a:t>Vă Mulțumesc pentru atenția acordată!</a:t>
             </a:r>
           </a:p>
@@ -13431,7 +13872,7 @@
           <a:lstStyle/>
           <a:p>
             <a:r>
-              <a:rPr lang="ro-RO" noProof="1"/>
+              <a:rPr lang="ro-RO" noProof="0" dirty="0"/>
               <a:t>Aștept întrebările dumneavoastră.</a:t>
             </a:r>
           </a:p>
@@ -13459,10 +13900,10 @@
           <a:lstStyle/>
           <a:p>
             <a:fld id="{B08188A5-144A-4A48-B2F6-C04FBE3542AB}" type="slidenum">
-              <a:rPr lang="ro-RO" noProof="1" dirty="0" smtClean="0"/>
-              <a:t>12</a:t>
+              <a:rPr lang="ro-RO" noProof="0" smtClean="0"/>
+              <a:t>14</a:t>
             </a:fld>
-            <a:endParaRPr lang="ro-RO" noProof="1"/>
+            <a:endParaRPr lang="ro-RO" noProof="0" dirty="0"/>
           </a:p>
         </p:txBody>
       </p:sp>
@@ -13518,7 +13959,7 @@
           <a:lstStyle/>
           <a:p>
             <a:r>
-              <a:rPr lang="ro-RO" noProof="1"/>
+              <a:rPr lang="ro-RO" noProof="0" dirty="0"/>
               <a:t>cuprins</a:t>
             </a:r>
           </a:p>
@@ -13557,7 +13998,7 @@
               <a:buAutoNum type="arabicPeriod"/>
             </a:pPr>
             <a:r>
-              <a:rPr lang="ro-RO" sz="1800" noProof="1"/>
+              <a:rPr lang="ro-RO" sz="2000" noProof="0" dirty="0"/>
               <a:t>Introducere</a:t>
             </a:r>
           </a:p>
@@ -13567,7 +14008,7 @@
               <a:buAutoNum type="arabicPeriod"/>
             </a:pPr>
             <a:r>
-              <a:rPr lang="ro-RO" sz="1800" noProof="1"/>
+              <a:rPr lang="ro-RO" sz="2000" noProof="0" dirty="0"/>
               <a:t>Soluții similare în domeniul sistemelor de recomandare</a:t>
             </a:r>
           </a:p>
@@ -13577,60 +14018,8 @@
               <a:buAutoNum type="arabicPeriod"/>
             </a:pPr>
             <a:r>
-              <a:rPr lang="ro-RO" sz="1800" noProof="1"/>
+              <a:rPr lang="ro-RO" sz="2000" noProof="0" dirty="0"/>
               <a:t>Fundamente teoretice în sisteme de recomandare</a:t>
-            </a:r>
-          </a:p>
-          <a:p>
-            <a:pPr marL="457200" lvl="1" indent="0">
-              <a:buNone/>
-            </a:pPr>
-            <a:r>
-              <a:rPr lang="ro-RO" sz="1800" noProof="1"/>
-              <a:t>3.1. </a:t>
-            </a:r>
-            <a:r>
-              <a:rPr lang="ro-RO" sz="1600" noProof="1"/>
-              <a:t>Filtrare bazată pe conținut</a:t>
-            </a:r>
-          </a:p>
-          <a:p>
-            <a:pPr marL="457200" lvl="1" indent="0">
-              <a:buNone/>
-            </a:pPr>
-            <a:r>
-              <a:rPr lang="ro-RO" sz="1800" noProof="1"/>
-              <a:t>3.2. </a:t>
-            </a:r>
-            <a:r>
-              <a:rPr lang="ro-RO" sz="1600" noProof="1"/>
-              <a:t>Filtrare colaborativă</a:t>
-            </a:r>
-          </a:p>
-          <a:p>
-            <a:pPr marL="457200" lvl="1" indent="0">
-              <a:buNone/>
-            </a:pPr>
-            <a:r>
-              <a:rPr lang="ro-RO" sz="1800" noProof="1"/>
-              <a:t>3.3. </a:t>
-            </a:r>
-            <a:r>
-              <a:rPr lang="ro-RO" sz="1600" noProof="1"/>
-              <a:t>Metrici de similaritate</a:t>
-            </a:r>
-          </a:p>
-          <a:p>
-            <a:pPr marL="457200" lvl="1" indent="0">
-              <a:buNone/>
-            </a:pPr>
-            <a:r>
-              <a:rPr lang="ro-RO" sz="1800" noProof="1"/>
-              <a:t>3.4. </a:t>
-            </a:r>
-            <a:r>
-              <a:rPr lang="ro-RO" sz="1600" noProof="1"/>
-              <a:t>Provocări și limitări</a:t>
             </a:r>
           </a:p>
           <a:p>
@@ -13639,7 +14028,7 @@
               <a:buAutoNum type="arabicPeriod"/>
             </a:pPr>
             <a:r>
-              <a:rPr lang="ro-RO" sz="1800" noProof="1"/>
+              <a:rPr lang="ro-RO" sz="2000" noProof="0" dirty="0"/>
               <a:t>Aplicație software</a:t>
             </a:r>
           </a:p>
@@ -13649,15 +14038,15 @@
               <a:buAutoNum type="arabicPeriod"/>
             </a:pPr>
             <a:r>
-              <a:rPr lang="ro-RO" sz="1800" noProof="1"/>
-              <a:t>Concluzii</a:t>
+              <a:rPr lang="ro-RO" sz="2000" noProof="0" dirty="0"/>
+              <a:t>Concluzii și direcții viitoare</a:t>
             </a:r>
           </a:p>
           <a:p>
             <a:pPr marL="0" indent="0">
               <a:buNone/>
             </a:pPr>
-            <a:endParaRPr lang="ro-RO" sz="1800" noProof="1"/>
+            <a:endParaRPr lang="ro-RO" sz="1800" noProof="0" dirty="0"/>
           </a:p>
         </p:txBody>
       </p:sp>
@@ -13683,10 +14072,10 @@
           <a:lstStyle/>
           <a:p>
             <a:fld id="{B08188A5-144A-4A48-B2F6-C04FBE3542AB}" type="slidenum">
-              <a:rPr lang="ro-RO" noProof="1" smtClean="0"/>
+              <a:rPr lang="ro-RO" noProof="0" smtClean="0"/>
               <a:t>2</a:t>
             </a:fld>
-            <a:endParaRPr lang="ro-RO" noProof="1"/>
+            <a:endParaRPr lang="ro-RO" noProof="0" dirty="0"/>
           </a:p>
         </p:txBody>
       </p:sp>
@@ -13742,7 +14131,7 @@
           <a:lstStyle/>
           <a:p>
             <a:r>
-              <a:rPr lang="ro-RO" noProof="1"/>
+              <a:rPr lang="ro-RO" noProof="0" dirty="0"/>
               <a:t>introducere</a:t>
             </a:r>
           </a:p>
@@ -13766,10 +14155,77 @@
         </p:nvSpPr>
         <p:spPr/>
         <p:txBody>
-          <a:bodyPr/>
+          <a:bodyPr>
+            <a:normAutofit/>
+          </a:bodyPr>
           <a:lstStyle/>
           <a:p>
-            <a:endParaRPr lang="ro-RO" noProof="1"/>
+            <a:r>
+              <a:rPr lang="ro-RO" noProof="0" dirty="0"/>
+              <a:t>Obiective</a:t>
+            </a:r>
+          </a:p>
+          <a:p>
+            <a:pPr lvl="1">
+              <a:buFont typeface="Wingdings" panose="05000000000000000000" pitchFamily="2" charset="2"/>
+              <a:buChar char="§"/>
+            </a:pPr>
+            <a:r>
+              <a:rPr lang="ro-RO" noProof="0" dirty="0"/>
+              <a:t>Compararea metodelor de recomandare</a:t>
+            </a:r>
+          </a:p>
+          <a:p>
+            <a:pPr lvl="1">
+              <a:buFont typeface="Wingdings" panose="05000000000000000000" pitchFamily="2" charset="2"/>
+              <a:buChar char="§"/>
+            </a:pPr>
+            <a:r>
+              <a:rPr lang="ro-RO" noProof="0" dirty="0"/>
+              <a:t>Metrici de similaritate utilizate în recomandare</a:t>
+            </a:r>
+          </a:p>
+          <a:p>
+            <a:pPr lvl="1">
+              <a:buFont typeface="Wingdings" panose="05000000000000000000" pitchFamily="2" charset="2"/>
+              <a:buChar char="§"/>
+            </a:pPr>
+            <a:r>
+              <a:rPr lang="ro-RO" noProof="0" dirty="0"/>
+              <a:t>Analiza principalelor limitări ale tehnicilor</a:t>
+            </a:r>
+          </a:p>
+          <a:p>
+            <a:r>
+              <a:rPr lang="ro-RO" noProof="0" dirty="0"/>
+              <a:t>Motivație</a:t>
+            </a:r>
+          </a:p>
+          <a:p>
+            <a:pPr lvl="1">
+              <a:buFont typeface="Wingdings" panose="05000000000000000000" pitchFamily="2" charset="2"/>
+              <a:buChar char="§"/>
+            </a:pPr>
+            <a:r>
+              <a:rPr lang="ro-RO" noProof="0" dirty="0"/>
+              <a:t>Dorința de a stimula conexiuni veritabile, bazate pe interese și pasiuni comune </a:t>
+            </a:r>
+          </a:p>
+          <a:p>
+            <a:pPr lvl="1">
+              <a:buFont typeface="Wingdings" panose="05000000000000000000" pitchFamily="2" charset="2"/>
+              <a:buChar char="§"/>
+            </a:pPr>
+            <a:r>
+              <a:rPr lang="ro-RO" noProof="0" dirty="0"/>
+              <a:t>Platforme sociale care nu mai răspund eficient nevoii de a cunoaște persoane noi</a:t>
+            </a:r>
+          </a:p>
+          <a:p>
+            <a:pPr marL="457200" lvl="1" indent="0">
+              <a:buNone/>
+            </a:pPr>
+            <a:endParaRPr lang="ro-RO" noProof="0" dirty="0"/>
           </a:p>
         </p:txBody>
       </p:sp>
@@ -13795,10 +14251,10 @@
           <a:lstStyle/>
           <a:p>
             <a:fld id="{B08188A5-144A-4A48-B2F6-C04FBE3542AB}" type="slidenum">
-              <a:rPr lang="ro-RO" noProof="1" smtClean="0"/>
+              <a:rPr lang="ro-RO" noProof="0" smtClean="0"/>
               <a:t>3</a:t>
             </a:fld>
-            <a:endParaRPr lang="ro-RO" noProof="1"/>
+            <a:endParaRPr lang="ro-RO" noProof="0" dirty="0"/>
           </a:p>
         </p:txBody>
       </p:sp>
@@ -13862,7 +14318,7 @@
           <a:lstStyle/>
           <a:p>
             <a:r>
-              <a:rPr lang="ro-RO" noProof="1"/>
+              <a:rPr lang="ro-RO" noProof="0" dirty="0"/>
               <a:t>Soluții similare în domeniul sistemelor de recomandare</a:t>
             </a:r>
           </a:p>
@@ -13894,7 +14350,7 @@
               <a:buChar char="Ø"/>
             </a:pPr>
             <a:r>
-              <a:rPr lang="ro-RO" noProof="1"/>
+              <a:rPr lang="ro-RO" noProof="0" dirty="0"/>
               <a:t>Amazon</a:t>
             </a:r>
           </a:p>
@@ -13904,7 +14360,7 @@
               <a:buChar char="Ø"/>
             </a:pPr>
             <a:r>
-              <a:rPr lang="ro-RO" noProof="1"/>
+              <a:rPr lang="ro-RO" noProof="0" dirty="0"/>
               <a:t>Netflix</a:t>
             </a:r>
           </a:p>
@@ -13914,7 +14370,7 @@
               <a:buChar char="Ø"/>
             </a:pPr>
             <a:r>
-              <a:rPr lang="ro-RO" noProof="1"/>
+              <a:rPr lang="ro-RO" noProof="0" dirty="0"/>
               <a:t>Facebook</a:t>
             </a:r>
           </a:p>
@@ -13924,7 +14380,7 @@
               <a:buChar char="Ø"/>
             </a:pPr>
             <a:r>
-              <a:rPr lang="ro-RO" noProof="1"/>
+              <a:rPr lang="ro-RO" noProof="0" dirty="0"/>
               <a:t>EgoSimilar</a:t>
             </a:r>
           </a:p>
@@ -13952,10 +14408,10 @@
           <a:lstStyle/>
           <a:p>
             <a:fld id="{B08188A5-144A-4A48-B2F6-C04FBE3542AB}" type="slidenum">
-              <a:rPr lang="ro-RO" noProof="1" smtClean="0"/>
+              <a:rPr lang="ro-RO" noProof="0" smtClean="0"/>
               <a:t>4</a:t>
             </a:fld>
-            <a:endParaRPr lang="ro-RO" noProof="1"/>
+            <a:endParaRPr lang="ro-RO" noProof="0" dirty="0"/>
           </a:p>
         </p:txBody>
       </p:sp>
@@ -13991,10 +14447,10 @@
       </p:grpSpPr>
       <p:sp>
         <p:nvSpPr>
-          <p:cNvPr id="2" name="Title 1">
+          <p:cNvPr id="14" name="Text Placeholder 13">
             <a:extLst>
               <a:ext uri="{FF2B5EF4-FFF2-40B4-BE49-F238E27FC236}">
-                <a16:creationId xmlns:a16="http://schemas.microsoft.com/office/drawing/2014/main" id="{67E1B39E-E87A-C1C0-B353-F3C5429AE9EE}"/>
+                <a16:creationId xmlns:a16="http://schemas.microsoft.com/office/drawing/2014/main" id="{6B8F5EA3-C5DB-637D-04BC-52E150ECB6BE}"/>
               </a:ext>
             </a:extLst>
           </p:cNvPr>
@@ -14002,16 +14458,23 @@
             <a:spLocks noGrp="1"/>
           </p:cNvSpPr>
           <p:nvPr>
-            <p:ph type="title"/>
+            <p:ph type="body" idx="1"/>
           </p:nvPr>
         </p:nvSpPr>
-        <p:spPr/>
+        <p:spPr>
+          <a:xfrm>
+            <a:off x="1141408" y="710738"/>
+            <a:ext cx="4878392" cy="976311"/>
+          </a:xfrm>
+        </p:spPr>
         <p:txBody>
-          <a:bodyPr/>
+          <a:bodyPr>
+            <a:normAutofit/>
+          </a:bodyPr>
           <a:lstStyle/>
           <a:p>
             <a:r>
-              <a:rPr lang="ro-RO" noProof="1"/>
+              <a:rPr lang="ro-RO" sz="2800" noProof="0" dirty="0"/>
               <a:t>Filtrare bazată pe conținut</a:t>
             </a:r>
           </a:p>
@@ -14019,10 +14482,10 @@
       </p:sp>
       <p:sp>
         <p:nvSpPr>
-          <p:cNvPr id="3" name="Content Placeholder 2">
+          <p:cNvPr id="15" name="Content Placeholder 14">
             <a:extLst>
               <a:ext uri="{FF2B5EF4-FFF2-40B4-BE49-F238E27FC236}">
-                <a16:creationId xmlns:a16="http://schemas.microsoft.com/office/drawing/2014/main" id="{E837CE0C-ADA3-4C7C-0BEB-D2137B5383BA}"/>
+                <a16:creationId xmlns:a16="http://schemas.microsoft.com/office/drawing/2014/main" id="{AA9602C2-5309-D34C-9DD4-35F16282F881}"/>
               </a:ext>
             </a:extLst>
           </p:cNvPr>
@@ -14030,15 +14493,114 @@
             <a:spLocks noGrp="1"/>
           </p:cNvSpPr>
           <p:nvPr>
-            <p:ph idx="1"/>
+            <p:ph sz="half" idx="2"/>
           </p:nvPr>
         </p:nvSpPr>
-        <p:spPr/>
+        <p:spPr>
+          <a:xfrm>
+            <a:off x="1141410" y="1838633"/>
+            <a:ext cx="4878391" cy="3952566"/>
+          </a:xfrm>
+        </p:spPr>
         <p:txBody>
           <a:bodyPr/>
           <a:lstStyle/>
           <a:p>
-            <a:endParaRPr lang="ro-RO" noProof="1"/>
+            <a:r>
+              <a:rPr lang="ro-RO" sz="2200" noProof="0" dirty="0"/>
+              <a:t>Recomandări în funcție de preferințele utilizatorului</a:t>
+            </a:r>
+          </a:p>
+          <a:p>
+            <a:r>
+              <a:rPr lang="ro-RO" sz="2200" noProof="0" dirty="0"/>
+              <a:t>Se analizează conținutul itemilor / elementelor</a:t>
+            </a:r>
+          </a:p>
+          <a:p>
+            <a:r>
+              <a:rPr lang="ro-RO" sz="2200" noProof="0" dirty="0"/>
+              <a:t>Nu depinde de alți utilizatori</a:t>
+            </a:r>
+          </a:p>
+          <a:p>
+            <a:endParaRPr lang="ro-RO" noProof="0" dirty="0"/>
+          </a:p>
+        </p:txBody>
+      </p:sp>
+      <p:sp>
+        <p:nvSpPr>
+          <p:cNvPr id="16" name="Text Placeholder 15">
+            <a:extLst>
+              <a:ext uri="{FF2B5EF4-FFF2-40B4-BE49-F238E27FC236}">
+                <a16:creationId xmlns:a16="http://schemas.microsoft.com/office/drawing/2014/main" id="{FD21371E-C722-1BA8-CED4-EF445F4D6D71}"/>
+              </a:ext>
+            </a:extLst>
+          </p:cNvPr>
+          <p:cNvSpPr>
+            <a:spLocks noGrp="1"/>
+          </p:cNvSpPr>
+          <p:nvPr>
+            <p:ph type="body" sz="quarter" idx="3"/>
+          </p:nvPr>
+        </p:nvSpPr>
+        <p:spPr>
+          <a:xfrm>
+            <a:off x="6172200" y="710739"/>
+            <a:ext cx="4878392" cy="976311"/>
+          </a:xfrm>
+        </p:spPr>
+        <p:txBody>
+          <a:bodyPr>
+            <a:normAutofit/>
+          </a:bodyPr>
+          <a:lstStyle/>
+          <a:p>
+            <a:r>
+              <a:rPr lang="ro-RO" sz="2800" noProof="0" dirty="0"/>
+              <a:t>Filtrare colaborativă</a:t>
+            </a:r>
+          </a:p>
+        </p:txBody>
+      </p:sp>
+      <p:sp>
+        <p:nvSpPr>
+          <p:cNvPr id="17" name="Content Placeholder 16">
+            <a:extLst>
+              <a:ext uri="{FF2B5EF4-FFF2-40B4-BE49-F238E27FC236}">
+                <a16:creationId xmlns:a16="http://schemas.microsoft.com/office/drawing/2014/main" id="{045F4701-6F22-3187-7E07-D9697D35104D}"/>
+              </a:ext>
+            </a:extLst>
+          </p:cNvPr>
+          <p:cNvSpPr>
+            <a:spLocks noGrp="1"/>
+          </p:cNvSpPr>
+          <p:nvPr>
+            <p:ph sz="quarter" idx="4"/>
+          </p:nvPr>
+        </p:nvSpPr>
+        <p:spPr>
+          <a:xfrm>
+            <a:off x="6172200" y="1838633"/>
+            <a:ext cx="4875210" cy="3952566"/>
+          </a:xfrm>
+        </p:spPr>
+        <p:txBody>
+          <a:bodyPr>
+            <a:normAutofit/>
+          </a:bodyPr>
+          <a:lstStyle/>
+          <a:p>
+            <a:r>
+              <a:rPr lang="ro-RO" sz="2200" noProof="0" dirty="0"/>
+              <a:t>Folosește comportamentul altor utilizatori</a:t>
+            </a:r>
+          </a:p>
+          <a:p>
+            <a:r>
+              <a:rPr lang="ro-RO" sz="2200" noProof="0" dirty="0"/>
+              <a:t>Oferă recomandări pe baza preferințelor comune </a:t>
+            </a:r>
           </a:p>
         </p:txBody>
       </p:sp>
@@ -14047,7 +14609,7 @@
           <p:cNvPr id="4" name="Slide Number Placeholder 3">
             <a:extLst>
               <a:ext uri="{FF2B5EF4-FFF2-40B4-BE49-F238E27FC236}">
-                <a16:creationId xmlns:a16="http://schemas.microsoft.com/office/drawing/2014/main" id="{68CB48E6-14A1-04A3-F1DF-FE1023C91413}"/>
+                <a16:creationId xmlns:a16="http://schemas.microsoft.com/office/drawing/2014/main" id="{8CC6C90F-C8A0-D3B3-1B5E-90DCEC68C116}"/>
               </a:ext>
             </a:extLst>
           </p:cNvPr>
@@ -14064,17 +14626,60 @@
           <a:lstStyle/>
           <a:p>
             <a:fld id="{B08188A5-144A-4A48-B2F6-C04FBE3542AB}" type="slidenum">
-              <a:rPr lang="ro-RO" noProof="1" smtClean="0"/>
+              <a:rPr lang="ro-RO" noProof="0" smtClean="0"/>
               <a:t>5</a:t>
             </a:fld>
-            <a:endParaRPr lang="ro-RO" noProof="1"/>
+            <a:endParaRPr lang="ro-RO" noProof="0" dirty="0"/>
           </a:p>
         </p:txBody>
       </p:sp>
+      <p:cxnSp>
+        <p:nvCxnSpPr>
+          <p:cNvPr id="19" name="Straight Connector 18">
+            <a:extLst>
+              <a:ext uri="{FF2B5EF4-FFF2-40B4-BE49-F238E27FC236}">
+                <a16:creationId xmlns:a16="http://schemas.microsoft.com/office/drawing/2014/main" id="{1D63EF33-CA59-BD4F-E4E4-D570CFCBCA21}"/>
+              </a:ext>
+            </a:extLst>
+          </p:cNvPr>
+          <p:cNvCxnSpPr>
+            <a:cxnSpLocks/>
+          </p:cNvCxnSpPr>
+          <p:nvPr/>
+        </p:nvCxnSpPr>
+        <p:spPr>
+          <a:xfrm>
+            <a:off x="6019800" y="1130710"/>
+            <a:ext cx="0" cy="3716593"/>
+          </a:xfrm>
+          <a:prstGeom prst="line">
+            <a:avLst/>
+          </a:prstGeom>
+          <a:ln w="38100">
+            <a:solidFill>
+              <a:schemeClr val="tx1"/>
+            </a:solidFill>
+          </a:ln>
+        </p:spPr>
+        <p:style>
+          <a:lnRef idx="1">
+            <a:schemeClr val="dk1"/>
+          </a:lnRef>
+          <a:fillRef idx="0">
+            <a:schemeClr val="dk1"/>
+          </a:fillRef>
+          <a:effectRef idx="0">
+            <a:schemeClr val="dk1"/>
+          </a:effectRef>
+          <a:fontRef idx="minor">
+            <a:schemeClr val="tx1"/>
+          </a:fontRef>
+        </p:style>
+      </p:cxnSp>
     </p:spTree>
     <p:extLst>
       <p:ext uri="{BB962C8B-B14F-4D97-AF65-F5344CB8AC3E}">
-        <p14:creationId xmlns:p14="http://schemas.microsoft.com/office/powerpoint/2010/main" val="79258963"/>
+        <p14:creationId xmlns:p14="http://schemas.microsoft.com/office/powerpoint/2010/main" val="3660681367"/>
       </p:ext>
     </p:extLst>
   </p:cSld>
@@ -14085,118 +14690,6 @@
 </file>
 
 <file path=ppt/slides/slide6.xml><?xml version="1.0" encoding="utf-8"?>
-<p:sld xmlns:a="http://schemas.openxmlformats.org/drawingml/2006/main" xmlns:r="http://schemas.openxmlformats.org/officeDocument/2006/relationships" xmlns:p="http://schemas.openxmlformats.org/presentationml/2006/main">
-  <p:cSld>
-    <p:spTree>
-      <p:nvGrpSpPr>
-        <p:cNvPr id="1" name=""/>
-        <p:cNvGrpSpPr/>
-        <p:nvPr/>
-      </p:nvGrpSpPr>
-      <p:grpSpPr>
-        <a:xfrm>
-          <a:off x="0" y="0"/>
-          <a:ext cx="0" cy="0"/>
-          <a:chOff x="0" y="0"/>
-          <a:chExt cx="0" cy="0"/>
-        </a:xfrm>
-      </p:grpSpPr>
-      <p:sp>
-        <p:nvSpPr>
-          <p:cNvPr id="2" name="Title 1">
-            <a:extLst>
-              <a:ext uri="{FF2B5EF4-FFF2-40B4-BE49-F238E27FC236}">
-                <a16:creationId xmlns:a16="http://schemas.microsoft.com/office/drawing/2014/main" id="{94C1F4FE-B57D-5D21-17B7-A1394066094F}"/>
-              </a:ext>
-            </a:extLst>
-          </p:cNvPr>
-          <p:cNvSpPr>
-            <a:spLocks noGrp="1"/>
-          </p:cNvSpPr>
-          <p:nvPr>
-            <p:ph type="title"/>
-          </p:nvPr>
-        </p:nvSpPr>
-        <p:spPr/>
-        <p:txBody>
-          <a:bodyPr/>
-          <a:lstStyle/>
-          <a:p>
-            <a:r>
-              <a:rPr lang="ro-RO" noProof="1"/>
-              <a:t>Filtrare colaborativă</a:t>
-            </a:r>
-          </a:p>
-        </p:txBody>
-      </p:sp>
-      <p:sp>
-        <p:nvSpPr>
-          <p:cNvPr id="3" name="Content Placeholder 2">
-            <a:extLst>
-              <a:ext uri="{FF2B5EF4-FFF2-40B4-BE49-F238E27FC236}">
-                <a16:creationId xmlns:a16="http://schemas.microsoft.com/office/drawing/2014/main" id="{6D155267-1ACB-00CF-32AE-275732443704}"/>
-              </a:ext>
-            </a:extLst>
-          </p:cNvPr>
-          <p:cNvSpPr>
-            <a:spLocks noGrp="1"/>
-          </p:cNvSpPr>
-          <p:nvPr>
-            <p:ph idx="1"/>
-          </p:nvPr>
-        </p:nvSpPr>
-        <p:spPr/>
-        <p:txBody>
-          <a:bodyPr/>
-          <a:lstStyle/>
-          <a:p>
-            <a:endParaRPr lang="ro-RO" noProof="1"/>
-          </a:p>
-        </p:txBody>
-      </p:sp>
-      <p:sp>
-        <p:nvSpPr>
-          <p:cNvPr id="4" name="Slide Number Placeholder 3">
-            <a:extLst>
-              <a:ext uri="{FF2B5EF4-FFF2-40B4-BE49-F238E27FC236}">
-                <a16:creationId xmlns:a16="http://schemas.microsoft.com/office/drawing/2014/main" id="{29F8934F-1861-E21E-EDBE-C390748C4389}"/>
-              </a:ext>
-            </a:extLst>
-          </p:cNvPr>
-          <p:cNvSpPr>
-            <a:spLocks noGrp="1"/>
-          </p:cNvSpPr>
-          <p:nvPr>
-            <p:ph type="sldNum" sz="quarter" idx="12"/>
-          </p:nvPr>
-        </p:nvSpPr>
-        <p:spPr/>
-        <p:txBody>
-          <a:bodyPr/>
-          <a:lstStyle/>
-          <a:p>
-            <a:fld id="{B08188A5-144A-4A48-B2F6-C04FBE3542AB}" type="slidenum">
-              <a:rPr lang="ro-RO" noProof="1" smtClean="0"/>
-              <a:t>6</a:t>
-            </a:fld>
-            <a:endParaRPr lang="ro-RO" noProof="1"/>
-          </a:p>
-        </p:txBody>
-      </p:sp>
-    </p:spTree>
-    <p:extLst>
-      <p:ext uri="{BB962C8B-B14F-4D97-AF65-F5344CB8AC3E}">
-        <p14:creationId xmlns:p14="http://schemas.microsoft.com/office/powerpoint/2010/main" val="3970153457"/>
-      </p:ext>
-    </p:extLst>
-  </p:cSld>
-  <p:clrMapOvr>
-    <a:masterClrMapping/>
-  </p:clrMapOvr>
-</p:sld>
-</file>
-
-<file path=ppt/slides/slide7.xml><?xml version="1.0" encoding="utf-8"?>
 <p:sld xmlns:a="http://schemas.openxmlformats.org/drawingml/2006/main" xmlns:r="http://schemas.openxmlformats.org/officeDocument/2006/relationships" xmlns:p="http://schemas.openxmlformats.org/presentationml/2006/main">
   <p:cSld>
     <p:spTree>
@@ -14235,37 +14728,474 @@
           <a:lstStyle/>
           <a:p>
             <a:r>
-              <a:rPr lang="ro-RO" noProof="1"/>
+              <a:rPr lang="ro-RO" noProof="0" dirty="0"/>
               <a:t>Metrici de similaritate</a:t>
             </a:r>
           </a:p>
         </p:txBody>
       </p:sp>
-      <p:sp>
-        <p:nvSpPr>
-          <p:cNvPr id="3" name="Content Placeholder 2">
-            <a:extLst>
-              <a:ext uri="{FF2B5EF4-FFF2-40B4-BE49-F238E27FC236}">
-                <a16:creationId xmlns:a16="http://schemas.microsoft.com/office/drawing/2014/main" id="{D1C4314B-D113-6789-6F4B-5BC00FCA3DE8}"/>
-              </a:ext>
-            </a:extLst>
-          </p:cNvPr>
-          <p:cNvSpPr>
-            <a:spLocks noGrp="1"/>
-          </p:cNvSpPr>
-          <p:nvPr>
-            <p:ph idx="1"/>
-          </p:nvPr>
-        </p:nvSpPr>
-        <p:spPr/>
-        <p:txBody>
-          <a:bodyPr/>
-          <a:lstStyle/>
-          <a:p>
-            <a:endParaRPr lang="ro-RO" noProof="1"/>
-          </a:p>
-        </p:txBody>
-      </p:sp>
+      <mc:AlternateContent xmlns:mc="http://schemas.openxmlformats.org/markup-compatibility/2006">
+        <mc:Choice xmlns:a14="http://schemas.microsoft.com/office/drawing/2010/main" Requires="a14">
+          <p:sp>
+            <p:nvSpPr>
+              <p:cNvPr id="3" name="Content Placeholder 2">
+                <a:extLst>
+                  <a:ext uri="{FF2B5EF4-FFF2-40B4-BE49-F238E27FC236}">
+                    <a16:creationId xmlns:a16="http://schemas.microsoft.com/office/drawing/2014/main" id="{D1C4314B-D113-6789-6F4B-5BC00FCA3DE8}"/>
+                  </a:ext>
+                </a:extLst>
+              </p:cNvPr>
+              <p:cNvSpPr>
+                <a:spLocks noGrp="1"/>
+              </p:cNvSpPr>
+              <p:nvPr>
+                <p:ph idx="1"/>
+              </p:nvPr>
+            </p:nvSpPr>
+            <p:spPr/>
+            <p:txBody>
+              <a:bodyPr>
+                <a:normAutofit fontScale="92500"/>
+              </a:bodyPr>
+              <a:lstStyle/>
+              <a:p>
+                <a:r>
+                  <a:rPr lang="ro-RO" b="1" noProof="0" dirty="0"/>
+                  <a:t>Jaccard</a:t>
+                </a:r>
+                <a:r>
+                  <a:rPr lang="ro-RO" noProof="0" dirty="0"/>
+                  <a:t> – compară două seturi și măsoară cât de multe elemente comune au raportat la totalul elementelor distincte</a:t>
+                </a:r>
+              </a:p>
+              <a:p>
+                <a:pPr marL="0" indent="0">
+                  <a:buNone/>
+                </a:pPr>
+                <a14:m>
+                  <m:oMathPara xmlns:m="http://schemas.openxmlformats.org/officeDocument/2006/math">
+                    <m:oMathParaPr>
+                      <m:jc m:val="centerGroup"/>
+                    </m:oMathParaPr>
+                    <m:oMath xmlns:m="http://schemas.openxmlformats.org/officeDocument/2006/math">
+                      <m:r>
+                        <a:rPr lang="ro-RO" b="1" i="1" noProof="0" smtClean="0">
+                          <a:latin typeface="Cambria Math" panose="02040503050406030204" pitchFamily="18" charset="0"/>
+                        </a:rPr>
+                        <m:t>𝑱𝒂𝒄𝒄𝒂𝒓𝒅</m:t>
+                      </m:r>
+                      <m:d>
+                        <m:dPr>
+                          <m:ctrlPr>
+                            <a:rPr lang="ro-RO" b="0" i="1" noProof="0" smtClean="0">
+                              <a:latin typeface="Cambria Math" panose="02040503050406030204" pitchFamily="18" charset="0"/>
+                            </a:rPr>
+                          </m:ctrlPr>
+                        </m:dPr>
+                        <m:e>
+                          <m:r>
+                            <a:rPr lang="ro-RO" b="0" i="1" noProof="0" smtClean="0">
+                              <a:latin typeface="Cambria Math" panose="02040503050406030204" pitchFamily="18" charset="0"/>
+                            </a:rPr>
+                            <m:t>𝐴</m:t>
+                          </m:r>
+                          <m:r>
+                            <a:rPr lang="ro-RO" b="0" i="1" noProof="0" smtClean="0">
+                              <a:latin typeface="Cambria Math" panose="02040503050406030204" pitchFamily="18" charset="0"/>
+                            </a:rPr>
+                            <m:t>, </m:t>
+                          </m:r>
+                          <m:r>
+                            <a:rPr lang="ro-RO" b="0" i="1" noProof="0" smtClean="0">
+                              <a:latin typeface="Cambria Math" panose="02040503050406030204" pitchFamily="18" charset="0"/>
+                            </a:rPr>
+                            <m:t>𝐵</m:t>
+                          </m:r>
+                        </m:e>
+                      </m:d>
+                      <m:r>
+                        <a:rPr lang="ro-RO" b="0" i="1" noProof="0" smtClean="0">
+                          <a:latin typeface="Cambria Math" panose="02040503050406030204" pitchFamily="18" charset="0"/>
+                        </a:rPr>
+                        <m:t>=</m:t>
+                      </m:r>
+                      <m:f>
+                        <m:fPr>
+                          <m:ctrlPr>
+                            <a:rPr lang="ro-RO" b="0" i="1" noProof="0" smtClean="0">
+                              <a:latin typeface="Cambria Math" panose="02040503050406030204" pitchFamily="18" charset="0"/>
+                            </a:rPr>
+                          </m:ctrlPr>
+                        </m:fPr>
+                        <m:num>
+                          <m:r>
+                            <a:rPr lang="ro-RO" b="0" i="1" noProof="0" smtClean="0">
+                              <a:latin typeface="Cambria Math" panose="02040503050406030204" pitchFamily="18" charset="0"/>
+                            </a:rPr>
+                            <m:t>|</m:t>
+                          </m:r>
+                          <m:r>
+                            <a:rPr lang="ro-RO" b="0" i="1" noProof="0" smtClean="0">
+                              <a:latin typeface="Cambria Math" panose="02040503050406030204" pitchFamily="18" charset="0"/>
+                            </a:rPr>
+                            <m:t>𝐴</m:t>
+                          </m:r>
+                          <m:r>
+                            <a:rPr lang="ro-RO" b="0" i="1" noProof="0" smtClean="0">
+                              <a:latin typeface="Cambria Math" panose="02040503050406030204" pitchFamily="18" charset="0"/>
+                              <a:ea typeface="Cambria Math" panose="02040503050406030204" pitchFamily="18" charset="0"/>
+                            </a:rPr>
+                            <m:t>∩</m:t>
+                          </m:r>
+                          <m:r>
+                            <a:rPr lang="ro-RO" b="0" i="1" noProof="0" smtClean="0">
+                              <a:latin typeface="Cambria Math" panose="02040503050406030204" pitchFamily="18" charset="0"/>
+                              <a:ea typeface="Cambria Math" panose="02040503050406030204" pitchFamily="18" charset="0"/>
+                            </a:rPr>
+                            <m:t>𝐵</m:t>
+                          </m:r>
+                          <m:r>
+                            <a:rPr lang="ro-RO" b="0" i="1" noProof="0" smtClean="0">
+                              <a:latin typeface="Cambria Math" panose="02040503050406030204" pitchFamily="18" charset="0"/>
+                              <a:ea typeface="Cambria Math" panose="02040503050406030204" pitchFamily="18" charset="0"/>
+                            </a:rPr>
+                            <m:t>|</m:t>
+                          </m:r>
+                        </m:num>
+                        <m:den>
+                          <m:r>
+                            <a:rPr lang="ro-RO" b="0" i="1" noProof="0" smtClean="0">
+                              <a:latin typeface="Cambria Math" panose="02040503050406030204" pitchFamily="18" charset="0"/>
+                            </a:rPr>
+                            <m:t>|</m:t>
+                          </m:r>
+                          <m:r>
+                            <a:rPr lang="ro-RO" b="0" i="1" noProof="0" smtClean="0">
+                              <a:latin typeface="Cambria Math" panose="02040503050406030204" pitchFamily="18" charset="0"/>
+                            </a:rPr>
+                            <m:t>𝐴</m:t>
+                          </m:r>
+                          <m:r>
+                            <a:rPr lang="ro-RO" b="0" i="1" noProof="0" smtClean="0">
+                              <a:latin typeface="Cambria Math" panose="02040503050406030204" pitchFamily="18" charset="0"/>
+                              <a:ea typeface="Cambria Math" panose="02040503050406030204" pitchFamily="18" charset="0"/>
+                            </a:rPr>
+                            <m:t>∪</m:t>
+                          </m:r>
+                          <m:r>
+                            <a:rPr lang="ro-RO" b="0" i="1" noProof="0" smtClean="0">
+                              <a:latin typeface="Cambria Math" panose="02040503050406030204" pitchFamily="18" charset="0"/>
+                              <a:ea typeface="Cambria Math" panose="02040503050406030204" pitchFamily="18" charset="0"/>
+                            </a:rPr>
+                            <m:t>𝐵</m:t>
+                          </m:r>
+                          <m:r>
+                            <a:rPr lang="ro-RO" b="0" i="1" noProof="0" smtClean="0">
+                              <a:latin typeface="Cambria Math" panose="02040503050406030204" pitchFamily="18" charset="0"/>
+                            </a:rPr>
+                            <m:t>|</m:t>
+                          </m:r>
+                        </m:den>
+                      </m:f>
+                    </m:oMath>
+                  </m:oMathPara>
+                </a14:m>
+                <a:endParaRPr lang="ro-RO" noProof="0" dirty="0"/>
+              </a:p>
+              <a:p>
+                <a:r>
+                  <a:rPr lang="ro-RO" i="1" noProof="0" dirty="0"/>
+                  <a:t>Cosinus – </a:t>
+                </a:r>
+                <a:r>
+                  <a:rPr lang="ro-RO" noProof="0" dirty="0"/>
+                  <a:t>măsoară unghiul dintre doi vectori, util când datele sunt reprezentate vectorial (TF-IDF, embeddings)</a:t>
+                </a:r>
+              </a:p>
+              <a:p>
+                <a:pPr marL="0" indent="0">
+                  <a:buNone/>
+                </a:pPr>
+                <a14:m>
+                  <m:oMathPara xmlns:m="http://schemas.openxmlformats.org/officeDocument/2006/math">
+                    <m:oMathParaPr>
+                      <m:jc m:val="centerGroup"/>
+                    </m:oMathParaPr>
+                    <m:oMath xmlns:m="http://schemas.openxmlformats.org/officeDocument/2006/math">
+                      <m:func>
+                        <m:funcPr>
+                          <m:ctrlPr>
+                            <a:rPr lang="ro-RO" b="0" i="1" noProof="0" smtClean="0">
+                              <a:latin typeface="Cambria Math" panose="02040503050406030204" pitchFamily="18" charset="0"/>
+                            </a:rPr>
+                          </m:ctrlPr>
+                        </m:funcPr>
+                        <m:fName>
+                          <m:r>
+                            <a:rPr lang="ro-RO" b="0" i="1" noProof="0" smtClean="0">
+                              <a:latin typeface="Cambria Math" panose="02040503050406030204" pitchFamily="18" charset="0"/>
+                            </a:rPr>
+                            <m:t>𝑐𝑜𝑠</m:t>
+                          </m:r>
+                        </m:fName>
+                        <m:e>
+                          <m:d>
+                            <m:dPr>
+                              <m:ctrlPr>
+                                <a:rPr lang="ro-RO" b="0" i="1" noProof="0" smtClean="0">
+                                  <a:latin typeface="Cambria Math" panose="02040503050406030204" pitchFamily="18" charset="0"/>
+                                </a:rPr>
+                              </m:ctrlPr>
+                            </m:dPr>
+                            <m:e>
+                              <m:r>
+                                <a:rPr lang="ro-RO" b="0" i="1" noProof="0" smtClean="0">
+                                  <a:latin typeface="Cambria Math" panose="02040503050406030204" pitchFamily="18" charset="0"/>
+                                </a:rPr>
+                                <m:t>𝐴</m:t>
+                              </m:r>
+                              <m:r>
+                                <a:rPr lang="ro-RO" b="0" i="1" noProof="0" smtClean="0">
+                                  <a:latin typeface="Cambria Math" panose="02040503050406030204" pitchFamily="18" charset="0"/>
+                                </a:rPr>
+                                <m:t>, </m:t>
+                              </m:r>
+                              <m:r>
+                                <a:rPr lang="ro-RO" b="0" i="1" noProof="0" smtClean="0">
+                                  <a:latin typeface="Cambria Math" panose="02040503050406030204" pitchFamily="18" charset="0"/>
+                                </a:rPr>
+                                <m:t>𝐵</m:t>
+                              </m:r>
+                            </m:e>
+                          </m:d>
+                        </m:e>
+                      </m:func>
+                      <m:r>
+                        <a:rPr lang="ro-RO" b="0" i="1" noProof="0" smtClean="0">
+                          <a:latin typeface="Cambria Math" panose="02040503050406030204" pitchFamily="18" charset="0"/>
+                        </a:rPr>
+                        <m:t>= </m:t>
+                      </m:r>
+                      <m:f>
+                        <m:fPr>
+                          <m:ctrlPr>
+                            <a:rPr lang="ro-RO" b="0" i="1" noProof="0" smtClean="0">
+                              <a:latin typeface="Cambria Math" panose="02040503050406030204" pitchFamily="18" charset="0"/>
+                            </a:rPr>
+                          </m:ctrlPr>
+                        </m:fPr>
+                        <m:num>
+                          <m:nary>
+                            <m:naryPr>
+                              <m:chr m:val="∑"/>
+                              <m:ctrlPr>
+                                <a:rPr lang="ro-RO" b="0" i="1" noProof="0" smtClean="0">
+                                  <a:latin typeface="Cambria Math" panose="02040503050406030204" pitchFamily="18" charset="0"/>
+                                </a:rPr>
+                              </m:ctrlPr>
+                            </m:naryPr>
+                            <m:sub>
+                              <m:r>
+                                <m:rPr>
+                                  <m:brk m:alnAt="23"/>
+                                </m:rPr>
+                                <a:rPr lang="ro-RO" b="0" i="1" noProof="0" smtClean="0">
+                                  <a:latin typeface="Cambria Math" panose="02040503050406030204" pitchFamily="18" charset="0"/>
+                                </a:rPr>
+                                <m:t>1</m:t>
+                              </m:r>
+                            </m:sub>
+                            <m:sup>
+                              <m:r>
+                                <a:rPr lang="ro-RO" b="0" i="1" noProof="0" smtClean="0">
+                                  <a:latin typeface="Cambria Math" panose="02040503050406030204" pitchFamily="18" charset="0"/>
+                                </a:rPr>
+                                <m:t>𝑛</m:t>
+                              </m:r>
+                            </m:sup>
+                            <m:e>
+                              <m:r>
+                                <a:rPr lang="ro-RO" b="0" i="1" noProof="0" smtClean="0">
+                                  <a:latin typeface="Cambria Math" panose="02040503050406030204" pitchFamily="18" charset="0"/>
+                                </a:rPr>
+                                <m:t>𝐴</m:t>
+                              </m:r>
+                              <m:r>
+                                <a:rPr lang="ro-RO" b="0" i="1" baseline="-25000" noProof="0" smtClean="0">
+                                  <a:latin typeface="Cambria Math" panose="02040503050406030204" pitchFamily="18" charset="0"/>
+                                </a:rPr>
+                                <m:t>𝑖</m:t>
+                              </m:r>
+                              <m:r>
+                                <a:rPr lang="ro-RO" b="0" i="1" noProof="0" smtClean="0">
+                                  <a:latin typeface="Cambria Math" panose="02040503050406030204" pitchFamily="18" charset="0"/>
+                                </a:rPr>
+                                <m:t>∗</m:t>
+                              </m:r>
+                              <m:r>
+                                <a:rPr lang="ro-RO" b="0" i="1" noProof="0" smtClean="0">
+                                  <a:latin typeface="Cambria Math" panose="02040503050406030204" pitchFamily="18" charset="0"/>
+                                </a:rPr>
+                                <m:t>𝐵𝑖</m:t>
+                              </m:r>
+                            </m:e>
+                          </m:nary>
+                        </m:num>
+                        <m:den>
+                          <m:nary>
+                            <m:naryPr>
+                              <m:chr m:val="∑"/>
+                              <m:ctrlPr>
+                                <a:rPr lang="ro-RO" b="0" i="1" noProof="0" smtClean="0">
+                                  <a:latin typeface="Cambria Math" panose="02040503050406030204" pitchFamily="18" charset="0"/>
+                                </a:rPr>
+                              </m:ctrlPr>
+                            </m:naryPr>
+                            <m:sub>
+                              <m:r>
+                                <m:rPr>
+                                  <m:brk m:alnAt="23"/>
+                                </m:rPr>
+                                <a:rPr lang="ro-RO" b="0" i="1" noProof="0" smtClean="0">
+                                  <a:latin typeface="Cambria Math" panose="02040503050406030204" pitchFamily="18" charset="0"/>
+                                </a:rPr>
+                                <m:t>1</m:t>
+                              </m:r>
+                            </m:sub>
+                            <m:sup>
+                              <m:r>
+                                <a:rPr lang="ro-RO" b="0" i="1" noProof="0" smtClean="0">
+                                  <a:latin typeface="Cambria Math" panose="02040503050406030204" pitchFamily="18" charset="0"/>
+                                </a:rPr>
+                                <m:t>𝑛</m:t>
+                              </m:r>
+                            </m:sup>
+                            <m:e>
+                              <m:r>
+                                <a:rPr lang="ro-RO" b="0" i="1" noProof="0" smtClean="0">
+                                  <a:latin typeface="Cambria Math" panose="02040503050406030204" pitchFamily="18" charset="0"/>
+                                </a:rPr>
+                                <m:t>𝐴</m:t>
+                              </m:r>
+                              <m:r>
+                                <a:rPr lang="ro-RO" b="0" i="1" baseline="-25000" noProof="0" smtClean="0">
+                                  <a:latin typeface="Cambria Math" panose="02040503050406030204" pitchFamily="18" charset="0"/>
+                                </a:rPr>
+                                <m:t>𝑖</m:t>
+                              </m:r>
+                              <m:r>
+                                <a:rPr lang="ro-RO" b="0" i="1" baseline="30000" noProof="0" smtClean="0">
+                                  <a:latin typeface="Cambria Math" panose="02040503050406030204" pitchFamily="18" charset="0"/>
+                                </a:rPr>
+                                <m:t>2</m:t>
+                              </m:r>
+                              <m:r>
+                                <a:rPr lang="ro-RO" b="0" i="1" noProof="0" smtClean="0">
+                                  <a:latin typeface="Cambria Math" panose="02040503050406030204" pitchFamily="18" charset="0"/>
+                                </a:rPr>
+                                <m:t>∗</m:t>
+                              </m:r>
+                              <m:nary>
+                                <m:naryPr>
+                                  <m:chr m:val="∑"/>
+                                  <m:ctrlPr>
+                                    <a:rPr lang="ro-RO" b="0" i="1" noProof="0" smtClean="0">
+                                      <a:latin typeface="Cambria Math" panose="02040503050406030204" pitchFamily="18" charset="0"/>
+                                    </a:rPr>
+                                  </m:ctrlPr>
+                                </m:naryPr>
+                                <m:sub>
+                                  <m:r>
+                                    <m:rPr>
+                                      <m:brk m:alnAt="23"/>
+                                    </m:rPr>
+                                    <a:rPr lang="ro-RO" b="0" i="1" noProof="0" smtClean="0">
+                                      <a:latin typeface="Cambria Math" panose="02040503050406030204" pitchFamily="18" charset="0"/>
+                                    </a:rPr>
+                                    <m:t>1</m:t>
+                                  </m:r>
+                                </m:sub>
+                                <m:sup>
+                                  <m:r>
+                                    <a:rPr lang="ro-RO" b="0" i="1" noProof="0" smtClean="0">
+                                      <a:latin typeface="Cambria Math" panose="02040503050406030204" pitchFamily="18" charset="0"/>
+                                    </a:rPr>
+                                    <m:t>𝑛</m:t>
+                                  </m:r>
+                                </m:sup>
+                                <m:e>
+                                  <m:r>
+                                    <a:rPr lang="ro-RO" b="0" i="1" noProof="0" smtClean="0">
+                                      <a:latin typeface="Cambria Math" panose="02040503050406030204" pitchFamily="18" charset="0"/>
+                                    </a:rPr>
+                                    <m:t>𝐵</m:t>
+                                  </m:r>
+                                  <m:r>
+                                    <a:rPr lang="ro-RO" b="0" i="1" baseline="-25000" noProof="0" smtClean="0">
+                                      <a:latin typeface="Cambria Math" panose="02040503050406030204" pitchFamily="18" charset="0"/>
+                                    </a:rPr>
+                                    <m:t>𝑖</m:t>
+                                  </m:r>
+                                  <m:r>
+                                    <a:rPr lang="ro-RO" b="0" i="1" baseline="30000" noProof="0" smtClean="0">
+                                      <a:latin typeface="Cambria Math" panose="02040503050406030204" pitchFamily="18" charset="0"/>
+                                    </a:rPr>
+                                    <m:t>2</m:t>
+                                  </m:r>
+                                </m:e>
+                              </m:nary>
+                            </m:e>
+                          </m:nary>
+                        </m:den>
+                      </m:f>
+                    </m:oMath>
+                  </m:oMathPara>
+                </a14:m>
+                <a:endParaRPr lang="ro-RO" noProof="0" dirty="0"/>
+              </a:p>
+            </p:txBody>
+          </p:sp>
+        </mc:Choice>
+        <mc:Fallback>
+          <p:sp>
+            <p:nvSpPr>
+              <p:cNvPr id="3" name="Content Placeholder 2">
+                <a:extLst>
+                  <a:ext uri="{FF2B5EF4-FFF2-40B4-BE49-F238E27FC236}">
+                    <a16:creationId xmlns:a16="http://schemas.microsoft.com/office/drawing/2014/main" id="{D1C4314B-D113-6789-6F4B-5BC00FCA3DE8}"/>
+                  </a:ext>
+                </a:extLst>
+              </p:cNvPr>
+              <p:cNvSpPr>
+                <a:spLocks noGrp="1" noRot="1" noChangeAspect="1" noMove="1" noResize="1" noEditPoints="1" noAdjustHandles="1" noChangeArrowheads="1" noChangeShapeType="1" noTextEdit="1"/>
+              </p:cNvSpPr>
+              <p:nvPr>
+                <p:ph idx="1"/>
+              </p:nvPr>
+            </p:nvSpPr>
+            <p:spPr>
+              <a:blipFill>
+                <a:blip r:embed="rId2"/>
+                <a:stretch>
+                  <a:fillRect l="-1046" t="-1893"/>
+                </a:stretch>
+              </a:blipFill>
+            </p:spPr>
+            <p:txBody>
+              <a:bodyPr/>
+              <a:lstStyle/>
+              <a:p>
+                <a:r>
+                  <a:rPr lang="ro-RO">
+                    <a:noFill/>
+                  </a:rPr>
+                  <a:t> </a:t>
+                </a:r>
+              </a:p>
+            </p:txBody>
+          </p:sp>
+        </mc:Fallback>
+      </mc:AlternateContent>
       <p:sp>
         <p:nvSpPr>
           <p:cNvPr id="4" name="Slide Number Placeholder 3">
@@ -14288,10 +15218,10 @@
           <a:lstStyle/>
           <a:p>
             <a:fld id="{B08188A5-144A-4A48-B2F6-C04FBE3542AB}" type="slidenum">
-              <a:rPr lang="ro-RO" noProof="1" smtClean="0"/>
-              <a:t>7</a:t>
+              <a:rPr lang="ro-RO" noProof="0" smtClean="0"/>
+              <a:t>6</a:t>
             </a:fld>
-            <a:endParaRPr lang="ro-RO" noProof="1"/>
+            <a:endParaRPr lang="ro-RO" noProof="0" dirty="0"/>
           </a:p>
         </p:txBody>
       </p:sp>
@@ -14308,7 +15238,7 @@
 </p:sld>
 </file>
 
-<file path=ppt/slides/slide8.xml><?xml version="1.0" encoding="utf-8"?>
+<file path=ppt/slides/slide7.xml><?xml version="1.0" encoding="utf-8"?>
 <p:sld xmlns:a="http://schemas.openxmlformats.org/drawingml/2006/main" xmlns:r="http://schemas.openxmlformats.org/officeDocument/2006/relationships" xmlns:p="http://schemas.openxmlformats.org/presentationml/2006/main">
   <p:cSld>
     <p:spTree>
@@ -14347,10 +15277,9 @@
           <a:lstStyle/>
           <a:p>
             <a:r>
-              <a:rPr lang="ro-RO" noProof="1"/>
+              <a:rPr lang="ro-RO" noProof="0" dirty="0"/>
               <a:t>Provocări și limitări</a:t>
             </a:r>
-            <a:endParaRPr lang="ro-RO" dirty="0"/>
           </a:p>
         </p:txBody>
       </p:sp>
@@ -14375,7 +15304,22 @@
           <a:bodyPr/>
           <a:lstStyle/>
           <a:p>
-            <a:endParaRPr lang="ro-RO"/>
+            <a:r>
+              <a:rPr lang="ro-RO" noProof="0" dirty="0"/>
+              <a:t>Problema ”Cold Start”</a:t>
+            </a:r>
+          </a:p>
+          <a:p>
+            <a:r>
+              <a:rPr lang="ro-RO" noProof="0" dirty="0"/>
+              <a:t>Sinonimie și polisemie</a:t>
+            </a:r>
+          </a:p>
+          <a:p>
+            <a:r>
+              <a:rPr lang="ro-RO" noProof="0" dirty="0"/>
+              <a:t>Confidențialitate și securitate</a:t>
+            </a:r>
           </a:p>
         </p:txBody>
       </p:sp>
@@ -14401,10 +15345,10 @@
           <a:lstStyle/>
           <a:p>
             <a:fld id="{B08188A5-144A-4A48-B2F6-C04FBE3542AB}" type="slidenum">
-              <a:rPr lang="en-GB" smtClean="0"/>
-              <a:t>8</a:t>
+              <a:rPr lang="ro-RO" noProof="0" smtClean="0"/>
+              <a:t>7</a:t>
             </a:fld>
-            <a:endParaRPr lang="en-GB" dirty="0"/>
+            <a:endParaRPr lang="ro-RO" noProof="0" dirty="0"/>
           </a:p>
         </p:txBody>
       </p:sp>
@@ -14421,7 +15365,7 @@
 </p:sld>
 </file>
 
-<file path=ppt/slides/slide9.xml><?xml version="1.0" encoding="utf-8"?>
+<file path=ppt/slides/slide8.xml><?xml version="1.0" encoding="utf-8"?>
 <p:sld xmlns:a="http://schemas.openxmlformats.org/drawingml/2006/main" xmlns:r="http://schemas.openxmlformats.org/officeDocument/2006/relationships" xmlns:p="http://schemas.openxmlformats.org/presentationml/2006/main">
   <p:cSld>
     <p:spTree>
@@ -14460,40 +15404,20 @@
             <p:ph type="title"/>
           </p:nvPr>
         </p:nvSpPr>
-        <p:spPr/>
+        <p:spPr>
+          <a:xfrm>
+            <a:off x="1141413" y="618518"/>
+            <a:ext cx="9905998" cy="1163521"/>
+          </a:xfrm>
+        </p:spPr>
         <p:txBody>
           <a:bodyPr/>
           <a:lstStyle/>
           <a:p>
             <a:r>
-              <a:rPr lang="ro-RO" noProof="1"/>
-              <a:t>Aplicație software</a:t>
-            </a:r>
-          </a:p>
-        </p:txBody>
-      </p:sp>
-      <p:sp>
-        <p:nvSpPr>
-          <p:cNvPr id="3" name="Content Placeholder 2">
-            <a:extLst>
-              <a:ext uri="{FF2B5EF4-FFF2-40B4-BE49-F238E27FC236}">
-                <a16:creationId xmlns:a16="http://schemas.microsoft.com/office/drawing/2014/main" id="{25635011-4D03-A4D8-4810-363199EE5F76}"/>
-              </a:ext>
-            </a:extLst>
-          </p:cNvPr>
-          <p:cNvSpPr>
-            <a:spLocks noGrp="1"/>
-          </p:cNvSpPr>
-          <p:nvPr>
-            <p:ph idx="1"/>
-          </p:nvPr>
-        </p:nvSpPr>
-        <p:spPr/>
-        <p:txBody>
-          <a:bodyPr/>
-          <a:lstStyle/>
-          <a:p>
-            <a:endParaRPr lang="ro-RO" noProof="1"/>
+              <a:rPr lang="ro-RO" noProof="0" dirty="0"/>
+              <a:t>Arhitectura aplicației software</a:t>
+            </a:r>
           </a:p>
         </p:txBody>
       </p:sp>
@@ -14519,10 +15443,292 @@
           <a:lstStyle/>
           <a:p>
             <a:fld id="{B08188A5-144A-4A48-B2F6-C04FBE3542AB}" type="slidenum">
-              <a:rPr lang="ro-RO" noProof="1" smtClean="0"/>
-              <a:t>9</a:t>
+              <a:rPr lang="ro-RO" noProof="0" smtClean="0"/>
+              <a:t>8</a:t>
             </a:fld>
-            <a:endParaRPr lang="ro-RO" noProof="1"/>
+            <a:endParaRPr lang="ro-RO" noProof="0" dirty="0"/>
+          </a:p>
+        </p:txBody>
+      </p:sp>
+      <p:sp>
+        <p:nvSpPr>
+          <p:cNvPr id="5" name="Rectangle 1">
+            <a:extLst>
+              <a:ext uri="{FF2B5EF4-FFF2-40B4-BE49-F238E27FC236}">
+                <a16:creationId xmlns:a16="http://schemas.microsoft.com/office/drawing/2014/main" id="{A7D4761C-0436-1414-05CB-E4825D05843C}"/>
+              </a:ext>
+            </a:extLst>
+          </p:cNvPr>
+          <p:cNvSpPr>
+            <a:spLocks noGrp="1" noChangeArrowheads="1"/>
+          </p:cNvSpPr>
+          <p:nvPr>
+            <p:ph idx="1"/>
+          </p:nvPr>
+        </p:nvSpPr>
+        <p:spPr bwMode="auto">
+          <a:xfrm>
+            <a:off x="1141412" y="1782039"/>
+            <a:ext cx="9905998" cy="4476610"/>
+          </a:xfrm>
+          <a:prstGeom prst="rect">
+            <a:avLst/>
+          </a:prstGeom>
+          <a:noFill/>
+          <a:ln>
+            <a:noFill/>
+          </a:ln>
+          <a:effectLst/>
+          <a:extLst>
+            <a:ext uri="{909E8E84-426E-40DD-AFC4-6F175D3DCCD1}">
+              <a14:hiddenFill xmlns:a14="http://schemas.microsoft.com/office/drawing/2010/main">
+                <a:solidFill>
+                  <a:schemeClr val="accent1"/>
+                </a:solidFill>
+              </a14:hiddenFill>
+            </a:ext>
+            <a:ext uri="{91240B29-F687-4F45-9708-019B960494DF}">
+              <a14:hiddenLine xmlns:a14="http://schemas.microsoft.com/office/drawing/2010/main" w="9525">
+                <a:solidFill>
+                  <a:schemeClr val="tx1"/>
+                </a:solidFill>
+                <a:miter lim="800000"/>
+                <a:headEnd/>
+                <a:tailEnd/>
+              </a14:hiddenLine>
+            </a:ext>
+            <a:ext uri="{AF507438-7753-43E0-B8FC-AC1667EBCBE1}">
+              <a14:hiddenEffects xmlns:a14="http://schemas.microsoft.com/office/drawing/2010/main">
+                <a:effectLst>
+                  <a:outerShdw dist="35921" dir="2700000" algn="ctr" rotWithShape="0">
+                    <a:schemeClr val="bg2"/>
+                  </a:outerShdw>
+                </a:effectLst>
+              </a14:hiddenEffects>
+            </a:ext>
+          </a:extLst>
+        </p:spPr>
+        <p:txBody>
+          <a:bodyPr vert="horz" wrap="square" lIns="91440" tIns="45720" rIns="91440" bIns="45720" numCol="1" anchor="ctr" anchorCtr="0" compatLnSpc="1">
+            <a:prstTxWarp prst="textNoShape">
+              <a:avLst/>
+            </a:prstTxWarp>
+            <a:spAutoFit/>
+          </a:bodyPr>
+          <a:lstStyle/>
+          <a:p>
+            <a:pPr marR="0" lvl="0" algn="l" defTabSz="914400" rtl="0" eaLnBrk="0" fontAlgn="base" latinLnBrk="0" hangingPunct="0">
+              <a:lnSpc>
+                <a:spcPct val="150000"/>
+              </a:lnSpc>
+              <a:spcBef>
+                <a:spcPct val="0"/>
+              </a:spcBef>
+              <a:spcAft>
+                <a:spcPct val="0"/>
+              </a:spcAft>
+              <a:buClrTx/>
+              <a:buSzTx/>
+              <a:tabLst/>
+            </a:pPr>
+            <a:r>
+              <a:rPr kumimoji="0" lang="ro-RO" i="0" u="none" strike="noStrike" cap="none" normalizeH="0" baseline="0" noProof="0" dirty="0">
+                <a:ln>
+                  <a:noFill/>
+                </a:ln>
+                <a:solidFill>
+                  <a:schemeClr val="tx1"/>
+                </a:solidFill>
+                <a:effectLst/>
+              </a:rPr>
+              <a:t>Frontend</a:t>
+            </a:r>
+          </a:p>
+          <a:p>
+            <a:pPr lvl="1" eaLnBrk="0" fontAlgn="base" hangingPunct="0">
+              <a:lnSpc>
+                <a:spcPct val="150000"/>
+              </a:lnSpc>
+              <a:spcBef>
+                <a:spcPct val="0"/>
+              </a:spcBef>
+              <a:spcAft>
+                <a:spcPct val="0"/>
+              </a:spcAft>
+              <a:buSzTx/>
+              <a:buFont typeface="Wingdings" panose="05000000000000000000" pitchFamily="2" charset="2"/>
+              <a:buChar char="§"/>
+            </a:pPr>
+            <a:r>
+              <a:rPr lang="ro-RO" noProof="0" dirty="0"/>
+              <a:t>Dezvoltat în Ionic React</a:t>
+            </a:r>
+          </a:p>
+          <a:p>
+            <a:pPr lvl="1" eaLnBrk="0" fontAlgn="base" hangingPunct="0">
+              <a:lnSpc>
+                <a:spcPct val="150000"/>
+              </a:lnSpc>
+              <a:spcBef>
+                <a:spcPct val="0"/>
+              </a:spcBef>
+              <a:spcAft>
+                <a:spcPct val="0"/>
+              </a:spcAft>
+              <a:buSzTx/>
+              <a:buFont typeface="Wingdings" panose="05000000000000000000" pitchFamily="2" charset="2"/>
+              <a:buChar char="§"/>
+            </a:pPr>
+            <a:r>
+              <a:rPr lang="ro-RO" noProof="0" dirty="0"/>
+              <a:t>Aplicație cross-platform (web, mobile, desktop)</a:t>
+            </a:r>
+            <a:endParaRPr kumimoji="0" lang="ro-RO" i="0" u="none" strike="noStrike" cap="none" normalizeH="0" baseline="0" noProof="0" dirty="0">
+              <a:ln>
+                <a:noFill/>
+              </a:ln>
+              <a:solidFill>
+                <a:schemeClr val="tx1"/>
+              </a:solidFill>
+              <a:effectLst/>
+            </a:endParaRPr>
+          </a:p>
+          <a:p>
+            <a:pPr marR="0" lvl="0" algn="l" defTabSz="914400" rtl="0" eaLnBrk="0" fontAlgn="base" latinLnBrk="0" hangingPunct="0">
+              <a:lnSpc>
+                <a:spcPct val="150000"/>
+              </a:lnSpc>
+              <a:spcBef>
+                <a:spcPct val="0"/>
+              </a:spcBef>
+              <a:spcAft>
+                <a:spcPct val="0"/>
+              </a:spcAft>
+              <a:buClrTx/>
+              <a:buSzTx/>
+              <a:tabLst/>
+            </a:pPr>
+            <a:r>
+              <a:rPr lang="ro-RO" noProof="0" dirty="0"/>
+              <a:t>Backend</a:t>
+            </a:r>
+          </a:p>
+          <a:p>
+            <a:pPr lvl="1" eaLnBrk="0" fontAlgn="base" hangingPunct="0">
+              <a:lnSpc>
+                <a:spcPct val="150000"/>
+              </a:lnSpc>
+              <a:spcBef>
+                <a:spcPct val="0"/>
+              </a:spcBef>
+              <a:spcAft>
+                <a:spcPct val="0"/>
+              </a:spcAft>
+              <a:buSzTx/>
+              <a:buFont typeface="Wingdings" panose="05000000000000000000" pitchFamily="2" charset="2"/>
+              <a:buChar char="§"/>
+            </a:pPr>
+            <a:r>
+              <a:rPr lang="ro-RO" noProof="0" dirty="0"/>
+              <a:t>Scris în Java cu Spring Boot</a:t>
+            </a:r>
+          </a:p>
+          <a:p>
+            <a:pPr lvl="1" eaLnBrk="0" fontAlgn="base" hangingPunct="0">
+              <a:lnSpc>
+                <a:spcPct val="150000"/>
+              </a:lnSpc>
+              <a:spcBef>
+                <a:spcPct val="0"/>
+              </a:spcBef>
+              <a:spcAft>
+                <a:spcPct val="0"/>
+              </a:spcAft>
+              <a:buSzTx/>
+              <a:buFont typeface="Wingdings" panose="05000000000000000000" pitchFamily="2" charset="2"/>
+              <a:buChar char="§"/>
+            </a:pPr>
+            <a:r>
+              <a:rPr lang="ro-RO" noProof="0" dirty="0"/>
+              <a:t>Gestionează API-uri REST și logica aplicației</a:t>
+            </a:r>
+          </a:p>
+          <a:p>
+            <a:pPr marR="0" lvl="0" algn="l" defTabSz="914400" rtl="0" eaLnBrk="0" fontAlgn="base" latinLnBrk="0" hangingPunct="0">
+              <a:lnSpc>
+                <a:spcPct val="150000"/>
+              </a:lnSpc>
+              <a:spcBef>
+                <a:spcPct val="0"/>
+              </a:spcBef>
+              <a:spcAft>
+                <a:spcPct val="0"/>
+              </a:spcAft>
+              <a:buClrTx/>
+              <a:buSzTx/>
+              <a:tabLst/>
+            </a:pPr>
+            <a:r>
+              <a:rPr kumimoji="0" lang="ro-RO" i="0" u="none" strike="noStrike" cap="none" normalizeH="0" baseline="0" noProof="0" dirty="0">
+                <a:ln>
+                  <a:noFill/>
+                </a:ln>
+                <a:solidFill>
+                  <a:schemeClr val="tx1"/>
+                </a:solidFill>
+                <a:effectLst/>
+              </a:rPr>
+              <a:t>Sistem de recomandare</a:t>
+            </a:r>
+          </a:p>
+          <a:p>
+            <a:pPr lvl="1" eaLnBrk="0" fontAlgn="base" hangingPunct="0">
+              <a:lnSpc>
+                <a:spcPct val="150000"/>
+              </a:lnSpc>
+              <a:spcBef>
+                <a:spcPct val="0"/>
+              </a:spcBef>
+              <a:spcAft>
+                <a:spcPct val="0"/>
+              </a:spcAft>
+              <a:buSzTx/>
+              <a:buFont typeface="Wingdings" panose="05000000000000000000" pitchFamily="2" charset="2"/>
+              <a:buChar char="§"/>
+            </a:pPr>
+            <a:r>
+              <a:rPr lang="ro-RO" noProof="0" dirty="0"/>
+              <a:t>Implementat în Python cu Flask</a:t>
+            </a:r>
+          </a:p>
+          <a:p>
+            <a:pPr lvl="1" eaLnBrk="0" fontAlgn="base" hangingPunct="0">
+              <a:lnSpc>
+                <a:spcPct val="150000"/>
+              </a:lnSpc>
+              <a:spcBef>
+                <a:spcPct val="0"/>
+              </a:spcBef>
+              <a:spcAft>
+                <a:spcPct val="0"/>
+              </a:spcAft>
+              <a:buSzTx/>
+              <a:buFont typeface="Wingdings" panose="05000000000000000000" pitchFamily="2" charset="2"/>
+              <a:buChar char="§"/>
+            </a:pPr>
+            <a:r>
+              <a:rPr lang="ro-RO" noProof="0" dirty="0"/>
+              <a:t>Procesează date și calculează similarități între utilizatori</a:t>
+            </a:r>
+            <a:endParaRPr kumimoji="0" lang="ro-RO" i="0" u="none" strike="noStrike" cap="none" normalizeH="0" baseline="0" noProof="0" dirty="0">
+              <a:ln>
+                <a:noFill/>
+              </a:ln>
+              <a:solidFill>
+                <a:schemeClr val="tx1"/>
+              </a:solidFill>
+              <a:effectLst/>
+            </a:endParaRPr>
           </a:p>
         </p:txBody>
       </p:sp>
@@ -14530,6 +15736,128 @@
     <p:extLst>
       <p:ext uri="{BB962C8B-B14F-4D97-AF65-F5344CB8AC3E}">
         <p14:creationId xmlns:p14="http://schemas.microsoft.com/office/powerpoint/2010/main" val="1862059934"/>
+      </p:ext>
+    </p:extLst>
+  </p:cSld>
+  <p:clrMapOvr>
+    <a:masterClrMapping/>
+  </p:clrMapOvr>
+</p:sld>
+</file>
+
+<file path=ppt/slides/slide9.xml><?xml version="1.0" encoding="utf-8"?>
+<p:sld xmlns:a="http://schemas.openxmlformats.org/drawingml/2006/main" xmlns:r="http://schemas.openxmlformats.org/officeDocument/2006/relationships" xmlns:p="http://schemas.openxmlformats.org/presentationml/2006/main">
+  <p:cSld>
+    <p:spTree>
+      <p:nvGrpSpPr>
+        <p:cNvPr id="1" name=""/>
+        <p:cNvGrpSpPr/>
+        <p:nvPr/>
+      </p:nvGrpSpPr>
+      <p:grpSpPr>
+        <a:xfrm>
+          <a:off x="0" y="0"/>
+          <a:ext cx="0" cy="0"/>
+          <a:chOff x="0" y="0"/>
+          <a:chExt cx="0" cy="0"/>
+        </a:xfrm>
+      </p:grpSpPr>
+      <p:sp>
+        <p:nvSpPr>
+          <p:cNvPr id="2" name="Title 1">
+            <a:extLst>
+              <a:ext uri="{FF2B5EF4-FFF2-40B4-BE49-F238E27FC236}">
+                <a16:creationId xmlns:a16="http://schemas.microsoft.com/office/drawing/2014/main" id="{BD4F9189-1F09-013B-B38A-2C51EC4E5766}"/>
+              </a:ext>
+            </a:extLst>
+          </p:cNvPr>
+          <p:cNvSpPr>
+            <a:spLocks noGrp="1"/>
+          </p:cNvSpPr>
+          <p:nvPr>
+            <p:ph type="title"/>
+          </p:nvPr>
+        </p:nvSpPr>
+        <p:spPr/>
+        <p:txBody>
+          <a:bodyPr/>
+          <a:lstStyle/>
+          <a:p>
+            <a:r>
+              <a:rPr lang="ro-RO" noProof="0" dirty="0"/>
+              <a:t>Diagrama de clase (model)</a:t>
+            </a:r>
+          </a:p>
+        </p:txBody>
+      </p:sp>
+      <p:sp>
+        <p:nvSpPr>
+          <p:cNvPr id="4" name="Slide Number Placeholder 3">
+            <a:extLst>
+              <a:ext uri="{FF2B5EF4-FFF2-40B4-BE49-F238E27FC236}">
+                <a16:creationId xmlns:a16="http://schemas.microsoft.com/office/drawing/2014/main" id="{DA7C5AA7-EAEC-034B-D85C-06302D662B66}"/>
+              </a:ext>
+            </a:extLst>
+          </p:cNvPr>
+          <p:cNvSpPr>
+            <a:spLocks noGrp="1"/>
+          </p:cNvSpPr>
+          <p:nvPr>
+            <p:ph type="sldNum" sz="quarter" idx="12"/>
+          </p:nvPr>
+        </p:nvSpPr>
+        <p:spPr/>
+        <p:txBody>
+          <a:bodyPr/>
+          <a:lstStyle/>
+          <a:p>
+            <a:fld id="{B08188A5-144A-4A48-B2F6-C04FBE3542AB}" type="slidenum">
+              <a:rPr lang="ro-RO" noProof="0" smtClean="0"/>
+              <a:t>9</a:t>
+            </a:fld>
+            <a:endParaRPr lang="ro-RO" noProof="0" dirty="0"/>
+          </a:p>
+        </p:txBody>
+      </p:sp>
+      <p:pic>
+        <p:nvPicPr>
+          <p:cNvPr id="26" name="Content Placeholder 25" descr="A yellow box with black text&#10;&#10;AI-generated content may be incorrect.">
+            <a:extLst>
+              <a:ext uri="{FF2B5EF4-FFF2-40B4-BE49-F238E27FC236}">
+                <a16:creationId xmlns:a16="http://schemas.microsoft.com/office/drawing/2014/main" id="{BC7D54F3-668B-457F-43AF-AE7CE6D36A8E}"/>
+              </a:ext>
+            </a:extLst>
+          </p:cNvPr>
+          <p:cNvPicPr>
+            <a:picLocks noGrp="1" noChangeAspect="1"/>
+          </p:cNvPicPr>
+          <p:nvPr>
+            <p:ph idx="1"/>
+          </p:nvPr>
+        </p:nvPicPr>
+        <p:blipFill>
+          <a:blip r:embed="rId2">
+            <a:extLst>
+              <a:ext uri="{28A0092B-C50C-407E-A947-70E740481C1C}">
+                <a14:useLocalDpi xmlns:a14="http://schemas.microsoft.com/office/drawing/2010/main" val="0"/>
+              </a:ext>
+            </a:extLst>
+          </a:blip>
+          <a:stretch>
+            <a:fillRect/>
+          </a:stretch>
+        </p:blipFill>
+        <p:spPr>
+          <a:xfrm>
+            <a:off x="1141412" y="2430681"/>
+            <a:ext cx="9000000" cy="2183326"/>
+          </a:xfrm>
+        </p:spPr>
+      </p:pic>
+    </p:spTree>
+    <p:extLst>
+      <p:ext uri="{BB962C8B-B14F-4D97-AF65-F5344CB8AC3E}">
+        <p14:creationId xmlns:p14="http://schemas.microsoft.com/office/powerpoint/2010/main" val="39416403"/>
       </p:ext>
     </p:extLst>
   </p:cSld>
